--- a/presentacion/Dasafio2_Grupo4_CNN.pptx
+++ b/presentacion/Dasafio2_Grupo4_CNN.pptx
@@ -2,94 +2,103 @@
 <file path=ppt/presentation.xml><?xml version="1.0" encoding="utf-8"?>
 <p:presentation xmlns:a="http://schemas.openxmlformats.org/drawingml/2006/main" xmlns:r="http://schemas.openxmlformats.org/officeDocument/2006/relationships" xmlns:mc="http://schemas.openxmlformats.org/markup-compatibility/2006" xmlns:mv="urn:schemas-microsoft-com:mac:vml" xmlns:p="http://schemas.openxmlformats.org/presentationml/2006/main" xmlns:c="http://schemas.openxmlformats.org/drawingml/2006/chart" xmlns:dgm="http://schemas.openxmlformats.org/drawingml/2006/diagram" xmlns:o="urn:schemas-microsoft-com:office:office" xmlns:v="urn:schemas-microsoft-com:vml" xmlns:pvml="urn:schemas-microsoft-com:office:powerpoint" xmlns:com="http://schemas.openxmlformats.org/drawingml/2006/compatibility" xmlns:p14="http://schemas.microsoft.com/office/powerpoint/2010/main" xmlns:p15="http://schemas.microsoft.com/office/powerpoint/2012/main" autoCompressPictures="0" embedTrueTypeFonts="1" strictFirstAndLastChars="0" saveSubsetFonts="1">
   <p:sldMasterIdLst>
-    <p:sldMasterId id="2147483659" r:id="rId4"/>
+    <p:sldMasterId id="2147483659" r:id="rId5"/>
   </p:sldMasterIdLst>
   <p:notesMasterIdLst>
-    <p:notesMasterId r:id="rId5"/>
+    <p:notesMasterId r:id="rId6"/>
   </p:notesMasterIdLst>
   <p:sldIdLst>
-    <p:sldId id="256" r:id="rId6"/>
-    <p:sldId id="257" r:id="rId7"/>
-    <p:sldId id="258" r:id="rId8"/>
-    <p:sldId id="259" r:id="rId9"/>
-    <p:sldId id="260" r:id="rId10"/>
-    <p:sldId id="261" r:id="rId11"/>
-    <p:sldId id="262" r:id="rId12"/>
-    <p:sldId id="263" r:id="rId13"/>
-    <p:sldId id="264" r:id="rId14"/>
-    <p:sldId id="265" r:id="rId15"/>
-    <p:sldId id="266" r:id="rId16"/>
-    <p:sldId id="267" r:id="rId17"/>
-    <p:sldId id="268" r:id="rId18"/>
-    <p:sldId id="269" r:id="rId19"/>
-    <p:sldId id="270" r:id="rId20"/>
-    <p:sldId id="271" r:id="rId21"/>
-    <p:sldId id="272" r:id="rId22"/>
-    <p:sldId id="273" r:id="rId23"/>
-    <p:sldId id="274" r:id="rId24"/>
-    <p:sldId id="275" r:id="rId25"/>
-    <p:sldId id="276" r:id="rId26"/>
-    <p:sldId id="277" r:id="rId27"/>
-    <p:sldId id="278" r:id="rId28"/>
-    <p:sldId id="279" r:id="rId29"/>
-    <p:sldId id="280" r:id="rId30"/>
-    <p:sldId id="281" r:id="rId31"/>
-    <p:sldId id="282" r:id="rId32"/>
-    <p:sldId id="283" r:id="rId33"/>
-    <p:sldId id="284" r:id="rId34"/>
-    <p:sldId id="285" r:id="rId35"/>
-    <p:sldId id="286" r:id="rId36"/>
-    <p:sldId id="287" r:id="rId37"/>
-    <p:sldId id="288" r:id="rId38"/>
-    <p:sldId id="289" r:id="rId39"/>
-    <p:sldId id="290" r:id="rId40"/>
-    <p:sldId id="291" r:id="rId41"/>
-    <p:sldId id="292" r:id="rId42"/>
-    <p:sldId id="293" r:id="rId43"/>
-    <p:sldId id="294" r:id="rId44"/>
-    <p:sldId id="295" r:id="rId45"/>
-    <p:sldId id="296" r:id="rId46"/>
-    <p:sldId id="297" r:id="rId47"/>
-    <p:sldId id="298" r:id="rId48"/>
-    <p:sldId id="299" r:id="rId49"/>
-    <p:sldId id="300" r:id="rId50"/>
-    <p:sldId id="301" r:id="rId51"/>
-    <p:sldId id="302" r:id="rId52"/>
-    <p:sldId id="303" r:id="rId53"/>
-    <p:sldId id="304" r:id="rId54"/>
-    <p:sldId id="305" r:id="rId55"/>
-    <p:sldId id="306" r:id="rId56"/>
-    <p:sldId id="307" r:id="rId57"/>
-    <p:sldId id="308" r:id="rId58"/>
-    <p:sldId id="309" r:id="rId59"/>
-    <p:sldId id="310" r:id="rId60"/>
-    <p:sldId id="311" r:id="rId61"/>
-    <p:sldId id="312" r:id="rId62"/>
-    <p:sldId id="313" r:id="rId63"/>
-    <p:sldId id="314" r:id="rId64"/>
-    <p:sldId id="315" r:id="rId65"/>
-    <p:sldId id="316" r:id="rId66"/>
-    <p:sldId id="317" r:id="rId67"/>
-    <p:sldId id="318" r:id="rId68"/>
-    <p:sldId id="319" r:id="rId69"/>
-    <p:sldId id="320" r:id="rId70"/>
-    <p:sldId id="321" r:id="rId71"/>
-    <p:sldId id="322" r:id="rId72"/>
-    <p:sldId id="323" r:id="rId73"/>
-    <p:sldId id="324" r:id="rId74"/>
-    <p:sldId id="325" r:id="rId75"/>
+    <p:sldId id="256" r:id="rId7"/>
+    <p:sldId id="257" r:id="rId8"/>
+    <p:sldId id="258" r:id="rId9"/>
+    <p:sldId id="259" r:id="rId10"/>
+    <p:sldId id="260" r:id="rId11"/>
+    <p:sldId id="261" r:id="rId12"/>
+    <p:sldId id="262" r:id="rId13"/>
+    <p:sldId id="263" r:id="rId14"/>
+    <p:sldId id="264" r:id="rId15"/>
+    <p:sldId id="265" r:id="rId16"/>
+    <p:sldId id="266" r:id="rId17"/>
+    <p:sldId id="267" r:id="rId18"/>
+    <p:sldId id="268" r:id="rId19"/>
+    <p:sldId id="269" r:id="rId20"/>
+    <p:sldId id="270" r:id="rId21"/>
+    <p:sldId id="271" r:id="rId22"/>
+    <p:sldId id="272" r:id="rId23"/>
+    <p:sldId id="273" r:id="rId24"/>
+    <p:sldId id="274" r:id="rId25"/>
+    <p:sldId id="275" r:id="rId26"/>
+    <p:sldId id="276" r:id="rId27"/>
+    <p:sldId id="277" r:id="rId28"/>
+    <p:sldId id="278" r:id="rId29"/>
+    <p:sldId id="279" r:id="rId30"/>
+    <p:sldId id="280" r:id="rId31"/>
+    <p:sldId id="281" r:id="rId32"/>
+    <p:sldId id="282" r:id="rId33"/>
+    <p:sldId id="283" r:id="rId34"/>
+    <p:sldId id="284" r:id="rId35"/>
+    <p:sldId id="285" r:id="rId36"/>
+    <p:sldId id="286" r:id="rId37"/>
+    <p:sldId id="287" r:id="rId38"/>
+    <p:sldId id="288" r:id="rId39"/>
+    <p:sldId id="289" r:id="rId40"/>
+    <p:sldId id="290" r:id="rId41"/>
+    <p:sldId id="291" r:id="rId42"/>
+    <p:sldId id="292" r:id="rId43"/>
+    <p:sldId id="293" r:id="rId44"/>
+    <p:sldId id="294" r:id="rId45"/>
+    <p:sldId id="295" r:id="rId46"/>
+    <p:sldId id="296" r:id="rId47"/>
+    <p:sldId id="297" r:id="rId48"/>
+    <p:sldId id="298" r:id="rId49"/>
+    <p:sldId id="299" r:id="rId50"/>
+    <p:sldId id="300" r:id="rId51"/>
+    <p:sldId id="301" r:id="rId52"/>
+    <p:sldId id="302" r:id="rId53"/>
+    <p:sldId id="303" r:id="rId54"/>
+    <p:sldId id="304" r:id="rId55"/>
+    <p:sldId id="305" r:id="rId56"/>
+    <p:sldId id="306" r:id="rId57"/>
+    <p:sldId id="307" r:id="rId58"/>
+    <p:sldId id="308" r:id="rId59"/>
+    <p:sldId id="309" r:id="rId60"/>
+    <p:sldId id="310" r:id="rId61"/>
+    <p:sldId id="311" r:id="rId62"/>
+    <p:sldId id="312" r:id="rId63"/>
+    <p:sldId id="313" r:id="rId64"/>
+    <p:sldId id="314" r:id="rId65"/>
+    <p:sldId id="315" r:id="rId66"/>
+    <p:sldId id="316" r:id="rId67"/>
+    <p:sldId id="317" r:id="rId68"/>
+    <p:sldId id="318" r:id="rId69"/>
+    <p:sldId id="319" r:id="rId70"/>
+    <p:sldId id="320" r:id="rId71"/>
+    <p:sldId id="321" r:id="rId72"/>
+    <p:sldId id="322" r:id="rId73"/>
+    <p:sldId id="323" r:id="rId74"/>
+    <p:sldId id="324" r:id="rId75"/>
+    <p:sldId id="325" r:id="rId76"/>
+    <p:sldId id="326" r:id="rId77"/>
+    <p:sldId id="327" r:id="rId78"/>
+    <p:sldId id="328" r:id="rId79"/>
+    <p:sldId id="329" r:id="rId80"/>
+    <p:sldId id="330" r:id="rId81"/>
+    <p:sldId id="331" r:id="rId82"/>
+    <p:sldId id="332" r:id="rId83"/>
+    <p:sldId id="333" r:id="rId84"/>
+    <p:sldId id="334" r:id="rId85"/>
   </p:sldIdLst>
   <p:sldSz cy="5143500" cx="9144000"/>
   <p:notesSz cx="6858000" cy="9144000"/>
   <p:embeddedFontLst>
     <p:embeddedFont>
       <p:font typeface="Average"/>
-      <p:regular r:id="rId76"/>
+      <p:regular r:id="rId86"/>
     </p:embeddedFont>
     <p:embeddedFont>
       <p:font typeface="Oswald"/>
-      <p:regular r:id="rId77"/>
-      <p:bold r:id="rId78"/>
+      <p:regular r:id="rId87"/>
+      <p:bold r:id="rId88"/>
     </p:embeddedFont>
   </p:embeddedFontLst>
   <p:defaultTextStyle>
@@ -321,6 +330,17 @@
       </a:defRPr>
     </a:lvl9pPr>
   </p:defaultTextStyle>
+  <p:extLst>
+    <p:ext uri="{EFAFB233-063F-42B5-8137-9DF3F51BA10A}">
+      <p15:sldGuideLst>
+        <p15:guide id="1" pos="5611">
+          <p15:clr>
+            <a:srgbClr val="9AA0A6"/>
+          </p15:clr>
+        </p15:guide>
+      </p15:sldGuideLst>
+    </p:ext>
+  </p:extLst>
 </p:presentation>
 </file>
 
@@ -7438,6 +7458,897 @@
       <p:sp>
         <p:nvSpPr>
           <p:cNvPr id="522" name="Google Shape;522;g641a1a1343_0_0:notes"/>
+          <p:cNvSpPr txBox="1"/>
+          <p:nvPr>
+            <p:ph idx="1" type="body"/>
+          </p:nvPr>
+        </p:nvSpPr>
+        <p:spPr>
+          <a:xfrm>
+            <a:off x="685800" y="4343400"/>
+            <a:ext cx="5486400" cy="4114800"/>
+          </a:xfrm>
+          <a:prstGeom prst="rect">
+            <a:avLst/>
+          </a:prstGeom>
+        </p:spPr>
+        <p:txBody>
+          <a:bodyPr anchorCtr="0" anchor="t" bIns="91425" lIns="91425" spcFirstLastPara="1" rIns="91425" wrap="square" tIns="91425">
+            <a:noAutofit/>
+          </a:bodyPr>
+          <a:lstStyle/>
+          <a:p>
+            <a:pPr indent="0" lvl="0" marL="0" rtl="0" algn="l">
+              <a:spcBef>
+                <a:spcPts val="0"/>
+              </a:spcBef>
+              <a:spcAft>
+                <a:spcPts val="0"/>
+              </a:spcAft>
+              <a:buNone/>
+            </a:pPr>
+            <a:r>
+              <a:t/>
+            </a:r>
+            <a:endParaRPr/>
+          </a:p>
+        </p:txBody>
+      </p:sp>
+    </p:spTree>
+  </p:cSld>
+  <p:clrMapOvr>
+    <a:masterClrMapping/>
+  </p:clrMapOvr>
+</p:notes>
+</file>
+
+<file path=ppt/notesSlides/notesSlide71.xml><?xml version="1.0" encoding="utf-8"?>
+<p:notes xmlns:a="http://schemas.openxmlformats.org/drawingml/2006/main" xmlns:r="http://schemas.openxmlformats.org/officeDocument/2006/relationships" xmlns:mc="http://schemas.openxmlformats.org/markup-compatibility/2006" xmlns:mv="urn:schemas-microsoft-com:mac:vml" xmlns:p="http://schemas.openxmlformats.org/presentationml/2006/main" xmlns:c="http://schemas.openxmlformats.org/drawingml/2006/chart" xmlns:dgm="http://schemas.openxmlformats.org/drawingml/2006/diagram" xmlns:o="urn:schemas-microsoft-com:office:office" xmlns:v="urn:schemas-microsoft-com:vml" xmlns:pvml="urn:schemas-microsoft-com:office:powerpoint" xmlns:com="http://schemas.openxmlformats.org/drawingml/2006/compatibility" xmlns:p14="http://schemas.microsoft.com/office/powerpoint/2010/main" xmlns:p15="http://schemas.microsoft.com/office/powerpoint/2012/main" showMasterPhAnim="0" showMasterSp="0">
+  <p:cSld>
+    <p:spTree>
+      <p:nvGrpSpPr>
+        <p:cNvPr id="526" name="Shape 526"/>
+        <p:cNvGrpSpPr/>
+        <p:nvPr/>
+      </p:nvGrpSpPr>
+      <p:grpSpPr>
+        <a:xfrm>
+          <a:off x="0" y="0"/>
+          <a:ext cx="0" cy="0"/>
+          <a:chOff x="0" y="0"/>
+          <a:chExt cx="0" cy="0"/>
+        </a:xfrm>
+      </p:grpSpPr>
+      <p:sp>
+        <p:nvSpPr>
+          <p:cNvPr id="527" name="Google Shape;527;g64236bab61_1_0:notes"/>
+          <p:cNvSpPr/>
+          <p:nvPr>
+            <p:ph idx="2" type="sldImg"/>
+          </p:nvPr>
+        </p:nvSpPr>
+        <p:spPr>
+          <a:xfrm>
+            <a:off x="381188" y="685800"/>
+            <a:ext cx="6096300" cy="3429000"/>
+          </a:xfrm>
+          <a:custGeom>
+            <a:rect b="b" l="l" r="r" t="t"/>
+            <a:pathLst>
+              <a:path extrusionOk="0" h="120000" w="120000">
+                <a:moveTo>
+                  <a:pt x="0" y="0"/>
+                </a:moveTo>
+                <a:lnTo>
+                  <a:pt x="120000" y="0"/>
+                </a:lnTo>
+                <a:lnTo>
+                  <a:pt x="120000" y="120000"/>
+                </a:lnTo>
+                <a:lnTo>
+                  <a:pt x="0" y="120000"/>
+                </a:lnTo>
+                <a:close/>
+              </a:path>
+            </a:pathLst>
+          </a:custGeom>
+        </p:spPr>
+      </p:sp>
+      <p:sp>
+        <p:nvSpPr>
+          <p:cNvPr id="528" name="Google Shape;528;g64236bab61_1_0:notes"/>
+          <p:cNvSpPr txBox="1"/>
+          <p:nvPr>
+            <p:ph idx="1" type="body"/>
+          </p:nvPr>
+        </p:nvSpPr>
+        <p:spPr>
+          <a:xfrm>
+            <a:off x="685800" y="4343400"/>
+            <a:ext cx="5486400" cy="4114800"/>
+          </a:xfrm>
+          <a:prstGeom prst="rect">
+            <a:avLst/>
+          </a:prstGeom>
+        </p:spPr>
+        <p:txBody>
+          <a:bodyPr anchorCtr="0" anchor="t" bIns="91425" lIns="91425" spcFirstLastPara="1" rIns="91425" wrap="square" tIns="91425">
+            <a:noAutofit/>
+          </a:bodyPr>
+          <a:lstStyle/>
+          <a:p>
+            <a:pPr indent="0" lvl="0" marL="0" rtl="0" algn="l">
+              <a:spcBef>
+                <a:spcPts val="0"/>
+              </a:spcBef>
+              <a:spcAft>
+                <a:spcPts val="0"/>
+              </a:spcAft>
+              <a:buNone/>
+            </a:pPr>
+            <a:r>
+              <a:t/>
+            </a:r>
+            <a:endParaRPr/>
+          </a:p>
+        </p:txBody>
+      </p:sp>
+    </p:spTree>
+  </p:cSld>
+  <p:clrMapOvr>
+    <a:masterClrMapping/>
+  </p:clrMapOvr>
+</p:notes>
+</file>
+
+<file path=ppt/notesSlides/notesSlide72.xml><?xml version="1.0" encoding="utf-8"?>
+<p:notes xmlns:a="http://schemas.openxmlformats.org/drawingml/2006/main" xmlns:r="http://schemas.openxmlformats.org/officeDocument/2006/relationships" xmlns:mc="http://schemas.openxmlformats.org/markup-compatibility/2006" xmlns:mv="urn:schemas-microsoft-com:mac:vml" xmlns:p="http://schemas.openxmlformats.org/presentationml/2006/main" xmlns:c="http://schemas.openxmlformats.org/drawingml/2006/chart" xmlns:dgm="http://schemas.openxmlformats.org/drawingml/2006/diagram" xmlns:o="urn:schemas-microsoft-com:office:office" xmlns:v="urn:schemas-microsoft-com:vml" xmlns:pvml="urn:schemas-microsoft-com:office:powerpoint" xmlns:com="http://schemas.openxmlformats.org/drawingml/2006/compatibility" xmlns:p14="http://schemas.microsoft.com/office/powerpoint/2010/main" xmlns:p15="http://schemas.microsoft.com/office/powerpoint/2012/main" showMasterPhAnim="0" showMasterSp="0">
+  <p:cSld>
+    <p:spTree>
+      <p:nvGrpSpPr>
+        <p:cNvPr id="531" name="Shape 531"/>
+        <p:cNvGrpSpPr/>
+        <p:nvPr/>
+      </p:nvGrpSpPr>
+      <p:grpSpPr>
+        <a:xfrm>
+          <a:off x="0" y="0"/>
+          <a:ext cx="0" cy="0"/>
+          <a:chOff x="0" y="0"/>
+          <a:chExt cx="0" cy="0"/>
+        </a:xfrm>
+      </p:grpSpPr>
+      <p:sp>
+        <p:nvSpPr>
+          <p:cNvPr id="532" name="Google Shape;532;g64236bab61_0_25:notes"/>
+          <p:cNvSpPr/>
+          <p:nvPr>
+            <p:ph idx="2" type="sldImg"/>
+          </p:nvPr>
+        </p:nvSpPr>
+        <p:spPr>
+          <a:xfrm>
+            <a:off x="381188" y="685800"/>
+            <a:ext cx="6096300" cy="3429000"/>
+          </a:xfrm>
+          <a:custGeom>
+            <a:rect b="b" l="l" r="r" t="t"/>
+            <a:pathLst>
+              <a:path extrusionOk="0" h="120000" w="120000">
+                <a:moveTo>
+                  <a:pt x="0" y="0"/>
+                </a:moveTo>
+                <a:lnTo>
+                  <a:pt x="120000" y="0"/>
+                </a:lnTo>
+                <a:lnTo>
+                  <a:pt x="120000" y="120000"/>
+                </a:lnTo>
+                <a:lnTo>
+                  <a:pt x="0" y="120000"/>
+                </a:lnTo>
+                <a:close/>
+              </a:path>
+            </a:pathLst>
+          </a:custGeom>
+        </p:spPr>
+      </p:sp>
+      <p:sp>
+        <p:nvSpPr>
+          <p:cNvPr id="533" name="Google Shape;533;g64236bab61_0_25:notes"/>
+          <p:cNvSpPr txBox="1"/>
+          <p:nvPr>
+            <p:ph idx="1" type="body"/>
+          </p:nvPr>
+        </p:nvSpPr>
+        <p:spPr>
+          <a:xfrm>
+            <a:off x="685800" y="4343400"/>
+            <a:ext cx="5486400" cy="4114800"/>
+          </a:xfrm>
+          <a:prstGeom prst="rect">
+            <a:avLst/>
+          </a:prstGeom>
+        </p:spPr>
+        <p:txBody>
+          <a:bodyPr anchorCtr="0" anchor="t" bIns="91425" lIns="91425" spcFirstLastPara="1" rIns="91425" wrap="square" tIns="91425">
+            <a:noAutofit/>
+          </a:bodyPr>
+          <a:lstStyle/>
+          <a:p>
+            <a:pPr indent="0" lvl="0" marL="0" rtl="0" algn="l">
+              <a:spcBef>
+                <a:spcPts val="0"/>
+              </a:spcBef>
+              <a:spcAft>
+                <a:spcPts val="0"/>
+              </a:spcAft>
+              <a:buNone/>
+            </a:pPr>
+            <a:r>
+              <a:t/>
+            </a:r>
+            <a:endParaRPr/>
+          </a:p>
+        </p:txBody>
+      </p:sp>
+    </p:spTree>
+  </p:cSld>
+  <p:clrMapOvr>
+    <a:masterClrMapping/>
+  </p:clrMapOvr>
+</p:notes>
+</file>
+
+<file path=ppt/notesSlides/notesSlide73.xml><?xml version="1.0" encoding="utf-8"?>
+<p:notes xmlns:a="http://schemas.openxmlformats.org/drawingml/2006/main" xmlns:r="http://schemas.openxmlformats.org/officeDocument/2006/relationships" xmlns:mc="http://schemas.openxmlformats.org/markup-compatibility/2006" xmlns:mv="urn:schemas-microsoft-com:mac:vml" xmlns:p="http://schemas.openxmlformats.org/presentationml/2006/main" xmlns:c="http://schemas.openxmlformats.org/drawingml/2006/chart" xmlns:dgm="http://schemas.openxmlformats.org/drawingml/2006/diagram" xmlns:o="urn:schemas-microsoft-com:office:office" xmlns:v="urn:schemas-microsoft-com:vml" xmlns:pvml="urn:schemas-microsoft-com:office:powerpoint" xmlns:com="http://schemas.openxmlformats.org/drawingml/2006/compatibility" xmlns:p14="http://schemas.microsoft.com/office/powerpoint/2010/main" xmlns:p15="http://schemas.microsoft.com/office/powerpoint/2012/main" showMasterPhAnim="0" showMasterSp="0">
+  <p:cSld>
+    <p:spTree>
+      <p:nvGrpSpPr>
+        <p:cNvPr id="540" name="Shape 540"/>
+        <p:cNvGrpSpPr/>
+        <p:nvPr/>
+      </p:nvGrpSpPr>
+      <p:grpSpPr>
+        <a:xfrm>
+          <a:off x="0" y="0"/>
+          <a:ext cx="0" cy="0"/>
+          <a:chOff x="0" y="0"/>
+          <a:chExt cx="0" cy="0"/>
+        </a:xfrm>
+      </p:grpSpPr>
+      <p:sp>
+        <p:nvSpPr>
+          <p:cNvPr id="541" name="Google Shape;541;g64236bab61_0_34:notes"/>
+          <p:cNvSpPr/>
+          <p:nvPr>
+            <p:ph idx="2" type="sldImg"/>
+          </p:nvPr>
+        </p:nvSpPr>
+        <p:spPr>
+          <a:xfrm>
+            <a:off x="381188" y="685800"/>
+            <a:ext cx="6096300" cy="3429000"/>
+          </a:xfrm>
+          <a:custGeom>
+            <a:rect b="b" l="l" r="r" t="t"/>
+            <a:pathLst>
+              <a:path extrusionOk="0" h="120000" w="120000">
+                <a:moveTo>
+                  <a:pt x="0" y="0"/>
+                </a:moveTo>
+                <a:lnTo>
+                  <a:pt x="120000" y="0"/>
+                </a:lnTo>
+                <a:lnTo>
+                  <a:pt x="120000" y="120000"/>
+                </a:lnTo>
+                <a:lnTo>
+                  <a:pt x="0" y="120000"/>
+                </a:lnTo>
+                <a:close/>
+              </a:path>
+            </a:pathLst>
+          </a:custGeom>
+        </p:spPr>
+      </p:sp>
+      <p:sp>
+        <p:nvSpPr>
+          <p:cNvPr id="542" name="Google Shape;542;g64236bab61_0_34:notes"/>
+          <p:cNvSpPr txBox="1"/>
+          <p:nvPr>
+            <p:ph idx="1" type="body"/>
+          </p:nvPr>
+        </p:nvSpPr>
+        <p:spPr>
+          <a:xfrm>
+            <a:off x="685800" y="4343400"/>
+            <a:ext cx="5486400" cy="4114800"/>
+          </a:xfrm>
+          <a:prstGeom prst="rect">
+            <a:avLst/>
+          </a:prstGeom>
+        </p:spPr>
+        <p:txBody>
+          <a:bodyPr anchorCtr="0" anchor="t" bIns="91425" lIns="91425" spcFirstLastPara="1" rIns="91425" wrap="square" tIns="91425">
+            <a:noAutofit/>
+          </a:bodyPr>
+          <a:lstStyle/>
+          <a:p>
+            <a:pPr indent="0" lvl="0" marL="0" rtl="0" algn="l">
+              <a:spcBef>
+                <a:spcPts val="0"/>
+              </a:spcBef>
+              <a:spcAft>
+                <a:spcPts val="0"/>
+              </a:spcAft>
+              <a:buNone/>
+            </a:pPr>
+            <a:r>
+              <a:t/>
+            </a:r>
+            <a:endParaRPr/>
+          </a:p>
+        </p:txBody>
+      </p:sp>
+    </p:spTree>
+  </p:cSld>
+  <p:clrMapOvr>
+    <a:masterClrMapping/>
+  </p:clrMapOvr>
+</p:notes>
+</file>
+
+<file path=ppt/notesSlides/notesSlide74.xml><?xml version="1.0" encoding="utf-8"?>
+<p:notes xmlns:a="http://schemas.openxmlformats.org/drawingml/2006/main" xmlns:r="http://schemas.openxmlformats.org/officeDocument/2006/relationships" xmlns:mc="http://schemas.openxmlformats.org/markup-compatibility/2006" xmlns:mv="urn:schemas-microsoft-com:mac:vml" xmlns:p="http://schemas.openxmlformats.org/presentationml/2006/main" xmlns:c="http://schemas.openxmlformats.org/drawingml/2006/chart" xmlns:dgm="http://schemas.openxmlformats.org/drawingml/2006/diagram" xmlns:o="urn:schemas-microsoft-com:office:office" xmlns:v="urn:schemas-microsoft-com:vml" xmlns:pvml="urn:schemas-microsoft-com:office:powerpoint" xmlns:com="http://schemas.openxmlformats.org/drawingml/2006/compatibility" xmlns:p14="http://schemas.microsoft.com/office/powerpoint/2010/main" xmlns:p15="http://schemas.microsoft.com/office/powerpoint/2012/main" showMasterPhAnim="0" showMasterSp="0">
+  <p:cSld>
+    <p:spTree>
+      <p:nvGrpSpPr>
+        <p:cNvPr id="549" name="Shape 549"/>
+        <p:cNvGrpSpPr/>
+        <p:nvPr/>
+      </p:nvGrpSpPr>
+      <p:grpSpPr>
+        <a:xfrm>
+          <a:off x="0" y="0"/>
+          <a:ext cx="0" cy="0"/>
+          <a:chOff x="0" y="0"/>
+          <a:chExt cx="0" cy="0"/>
+        </a:xfrm>
+      </p:grpSpPr>
+      <p:sp>
+        <p:nvSpPr>
+          <p:cNvPr id="550" name="Google Shape;550;g64236bab61_0_44:notes"/>
+          <p:cNvSpPr/>
+          <p:nvPr>
+            <p:ph idx="2" type="sldImg"/>
+          </p:nvPr>
+        </p:nvSpPr>
+        <p:spPr>
+          <a:xfrm>
+            <a:off x="381188" y="685800"/>
+            <a:ext cx="6096300" cy="3429000"/>
+          </a:xfrm>
+          <a:custGeom>
+            <a:rect b="b" l="l" r="r" t="t"/>
+            <a:pathLst>
+              <a:path extrusionOk="0" h="120000" w="120000">
+                <a:moveTo>
+                  <a:pt x="0" y="0"/>
+                </a:moveTo>
+                <a:lnTo>
+                  <a:pt x="120000" y="0"/>
+                </a:lnTo>
+                <a:lnTo>
+                  <a:pt x="120000" y="120000"/>
+                </a:lnTo>
+                <a:lnTo>
+                  <a:pt x="0" y="120000"/>
+                </a:lnTo>
+                <a:close/>
+              </a:path>
+            </a:pathLst>
+          </a:custGeom>
+        </p:spPr>
+      </p:sp>
+      <p:sp>
+        <p:nvSpPr>
+          <p:cNvPr id="551" name="Google Shape;551;g64236bab61_0_44:notes"/>
+          <p:cNvSpPr txBox="1"/>
+          <p:nvPr>
+            <p:ph idx="1" type="body"/>
+          </p:nvPr>
+        </p:nvSpPr>
+        <p:spPr>
+          <a:xfrm>
+            <a:off x="685800" y="4343400"/>
+            <a:ext cx="5486400" cy="4114800"/>
+          </a:xfrm>
+          <a:prstGeom prst="rect">
+            <a:avLst/>
+          </a:prstGeom>
+        </p:spPr>
+        <p:txBody>
+          <a:bodyPr anchorCtr="0" anchor="t" bIns="91425" lIns="91425" spcFirstLastPara="1" rIns="91425" wrap="square" tIns="91425">
+            <a:noAutofit/>
+          </a:bodyPr>
+          <a:lstStyle/>
+          <a:p>
+            <a:pPr indent="0" lvl="0" marL="0" rtl="0" algn="l">
+              <a:spcBef>
+                <a:spcPts val="0"/>
+              </a:spcBef>
+              <a:spcAft>
+                <a:spcPts val="0"/>
+              </a:spcAft>
+              <a:buNone/>
+            </a:pPr>
+            <a:r>
+              <a:t/>
+            </a:r>
+            <a:endParaRPr/>
+          </a:p>
+        </p:txBody>
+      </p:sp>
+    </p:spTree>
+  </p:cSld>
+  <p:clrMapOvr>
+    <a:masterClrMapping/>
+  </p:clrMapOvr>
+</p:notes>
+</file>
+
+<file path=ppt/notesSlides/notesSlide75.xml><?xml version="1.0" encoding="utf-8"?>
+<p:notes xmlns:a="http://schemas.openxmlformats.org/drawingml/2006/main" xmlns:r="http://schemas.openxmlformats.org/officeDocument/2006/relationships" xmlns:mc="http://schemas.openxmlformats.org/markup-compatibility/2006" xmlns:mv="urn:schemas-microsoft-com:mac:vml" xmlns:p="http://schemas.openxmlformats.org/presentationml/2006/main" xmlns:c="http://schemas.openxmlformats.org/drawingml/2006/chart" xmlns:dgm="http://schemas.openxmlformats.org/drawingml/2006/diagram" xmlns:o="urn:schemas-microsoft-com:office:office" xmlns:v="urn:schemas-microsoft-com:vml" xmlns:pvml="urn:schemas-microsoft-com:office:powerpoint" xmlns:com="http://schemas.openxmlformats.org/drawingml/2006/compatibility" xmlns:p14="http://schemas.microsoft.com/office/powerpoint/2010/main" xmlns:p15="http://schemas.microsoft.com/office/powerpoint/2012/main" showMasterPhAnim="0" showMasterSp="0">
+  <p:cSld>
+    <p:spTree>
+      <p:nvGrpSpPr>
+        <p:cNvPr id="558" name="Shape 558"/>
+        <p:cNvGrpSpPr/>
+        <p:nvPr/>
+      </p:nvGrpSpPr>
+      <p:grpSpPr>
+        <a:xfrm>
+          <a:off x="0" y="0"/>
+          <a:ext cx="0" cy="0"/>
+          <a:chOff x="0" y="0"/>
+          <a:chExt cx="0" cy="0"/>
+        </a:xfrm>
+      </p:grpSpPr>
+      <p:sp>
+        <p:nvSpPr>
+          <p:cNvPr id="559" name="Google Shape;559;g64236bab61_0_60:notes"/>
+          <p:cNvSpPr/>
+          <p:nvPr>
+            <p:ph idx="2" type="sldImg"/>
+          </p:nvPr>
+        </p:nvSpPr>
+        <p:spPr>
+          <a:xfrm>
+            <a:off x="381188" y="685800"/>
+            <a:ext cx="6096300" cy="3429000"/>
+          </a:xfrm>
+          <a:custGeom>
+            <a:rect b="b" l="l" r="r" t="t"/>
+            <a:pathLst>
+              <a:path extrusionOk="0" h="120000" w="120000">
+                <a:moveTo>
+                  <a:pt x="0" y="0"/>
+                </a:moveTo>
+                <a:lnTo>
+                  <a:pt x="120000" y="0"/>
+                </a:lnTo>
+                <a:lnTo>
+                  <a:pt x="120000" y="120000"/>
+                </a:lnTo>
+                <a:lnTo>
+                  <a:pt x="0" y="120000"/>
+                </a:lnTo>
+                <a:close/>
+              </a:path>
+            </a:pathLst>
+          </a:custGeom>
+        </p:spPr>
+      </p:sp>
+      <p:sp>
+        <p:nvSpPr>
+          <p:cNvPr id="560" name="Google Shape;560;g64236bab61_0_60:notes"/>
+          <p:cNvSpPr txBox="1"/>
+          <p:nvPr>
+            <p:ph idx="1" type="body"/>
+          </p:nvPr>
+        </p:nvSpPr>
+        <p:spPr>
+          <a:xfrm>
+            <a:off x="685800" y="4343400"/>
+            <a:ext cx="5486400" cy="4114800"/>
+          </a:xfrm>
+          <a:prstGeom prst="rect">
+            <a:avLst/>
+          </a:prstGeom>
+        </p:spPr>
+        <p:txBody>
+          <a:bodyPr anchorCtr="0" anchor="t" bIns="91425" lIns="91425" spcFirstLastPara="1" rIns="91425" wrap="square" tIns="91425">
+            <a:noAutofit/>
+          </a:bodyPr>
+          <a:lstStyle/>
+          <a:p>
+            <a:pPr indent="0" lvl="0" marL="0" rtl="0" algn="l">
+              <a:spcBef>
+                <a:spcPts val="0"/>
+              </a:spcBef>
+              <a:spcAft>
+                <a:spcPts val="0"/>
+              </a:spcAft>
+              <a:buNone/>
+            </a:pPr>
+            <a:r>
+              <a:t/>
+            </a:r>
+            <a:endParaRPr/>
+          </a:p>
+        </p:txBody>
+      </p:sp>
+    </p:spTree>
+  </p:cSld>
+  <p:clrMapOvr>
+    <a:masterClrMapping/>
+  </p:clrMapOvr>
+</p:notes>
+</file>
+
+<file path=ppt/notesSlides/notesSlide76.xml><?xml version="1.0" encoding="utf-8"?>
+<p:notes xmlns:a="http://schemas.openxmlformats.org/drawingml/2006/main" xmlns:r="http://schemas.openxmlformats.org/officeDocument/2006/relationships" xmlns:mc="http://schemas.openxmlformats.org/markup-compatibility/2006" xmlns:mv="urn:schemas-microsoft-com:mac:vml" xmlns:p="http://schemas.openxmlformats.org/presentationml/2006/main" xmlns:c="http://schemas.openxmlformats.org/drawingml/2006/chart" xmlns:dgm="http://schemas.openxmlformats.org/drawingml/2006/diagram" xmlns:o="urn:schemas-microsoft-com:office:office" xmlns:v="urn:schemas-microsoft-com:vml" xmlns:pvml="urn:schemas-microsoft-com:office:powerpoint" xmlns:com="http://schemas.openxmlformats.org/drawingml/2006/compatibility" xmlns:p14="http://schemas.microsoft.com/office/powerpoint/2010/main" xmlns:p15="http://schemas.microsoft.com/office/powerpoint/2012/main" showMasterPhAnim="0" showMasterSp="0">
+  <p:cSld>
+    <p:spTree>
+      <p:nvGrpSpPr>
+        <p:cNvPr id="567" name="Shape 567"/>
+        <p:cNvGrpSpPr/>
+        <p:nvPr/>
+      </p:nvGrpSpPr>
+      <p:grpSpPr>
+        <a:xfrm>
+          <a:off x="0" y="0"/>
+          <a:ext cx="0" cy="0"/>
+          <a:chOff x="0" y="0"/>
+          <a:chExt cx="0" cy="0"/>
+        </a:xfrm>
+      </p:grpSpPr>
+      <p:sp>
+        <p:nvSpPr>
+          <p:cNvPr id="568" name="Google Shape;568;g64236bab61_0_70:notes"/>
+          <p:cNvSpPr/>
+          <p:nvPr>
+            <p:ph idx="2" type="sldImg"/>
+          </p:nvPr>
+        </p:nvSpPr>
+        <p:spPr>
+          <a:xfrm>
+            <a:off x="381188" y="685800"/>
+            <a:ext cx="6096300" cy="3429000"/>
+          </a:xfrm>
+          <a:custGeom>
+            <a:rect b="b" l="l" r="r" t="t"/>
+            <a:pathLst>
+              <a:path extrusionOk="0" h="120000" w="120000">
+                <a:moveTo>
+                  <a:pt x="0" y="0"/>
+                </a:moveTo>
+                <a:lnTo>
+                  <a:pt x="120000" y="0"/>
+                </a:lnTo>
+                <a:lnTo>
+                  <a:pt x="120000" y="120000"/>
+                </a:lnTo>
+                <a:lnTo>
+                  <a:pt x="0" y="120000"/>
+                </a:lnTo>
+                <a:close/>
+              </a:path>
+            </a:pathLst>
+          </a:custGeom>
+        </p:spPr>
+      </p:sp>
+      <p:sp>
+        <p:nvSpPr>
+          <p:cNvPr id="569" name="Google Shape;569;g64236bab61_0_70:notes"/>
+          <p:cNvSpPr txBox="1"/>
+          <p:nvPr>
+            <p:ph idx="1" type="body"/>
+          </p:nvPr>
+        </p:nvSpPr>
+        <p:spPr>
+          <a:xfrm>
+            <a:off x="685800" y="4343400"/>
+            <a:ext cx="5486400" cy="4114800"/>
+          </a:xfrm>
+          <a:prstGeom prst="rect">
+            <a:avLst/>
+          </a:prstGeom>
+        </p:spPr>
+        <p:txBody>
+          <a:bodyPr anchorCtr="0" anchor="t" bIns="91425" lIns="91425" spcFirstLastPara="1" rIns="91425" wrap="square" tIns="91425">
+            <a:noAutofit/>
+          </a:bodyPr>
+          <a:lstStyle/>
+          <a:p>
+            <a:pPr indent="0" lvl="0" marL="0" rtl="0" algn="l">
+              <a:spcBef>
+                <a:spcPts val="0"/>
+              </a:spcBef>
+              <a:spcAft>
+                <a:spcPts val="0"/>
+              </a:spcAft>
+              <a:buNone/>
+            </a:pPr>
+            <a:r>
+              <a:t/>
+            </a:r>
+            <a:endParaRPr/>
+          </a:p>
+        </p:txBody>
+      </p:sp>
+    </p:spTree>
+  </p:cSld>
+  <p:clrMapOvr>
+    <a:masterClrMapping/>
+  </p:clrMapOvr>
+</p:notes>
+</file>
+
+<file path=ppt/notesSlides/notesSlide77.xml><?xml version="1.0" encoding="utf-8"?>
+<p:notes xmlns:a="http://schemas.openxmlformats.org/drawingml/2006/main" xmlns:r="http://schemas.openxmlformats.org/officeDocument/2006/relationships" xmlns:mc="http://schemas.openxmlformats.org/markup-compatibility/2006" xmlns:mv="urn:schemas-microsoft-com:mac:vml" xmlns:p="http://schemas.openxmlformats.org/presentationml/2006/main" xmlns:c="http://schemas.openxmlformats.org/drawingml/2006/chart" xmlns:dgm="http://schemas.openxmlformats.org/drawingml/2006/diagram" xmlns:o="urn:schemas-microsoft-com:office:office" xmlns:v="urn:schemas-microsoft-com:vml" xmlns:pvml="urn:schemas-microsoft-com:office:powerpoint" xmlns:com="http://schemas.openxmlformats.org/drawingml/2006/compatibility" xmlns:p14="http://schemas.microsoft.com/office/powerpoint/2010/main" xmlns:p15="http://schemas.microsoft.com/office/powerpoint/2012/main" showMasterPhAnim="0" showMasterSp="0">
+  <p:cSld>
+    <p:spTree>
+      <p:nvGrpSpPr>
+        <p:cNvPr id="576" name="Shape 576"/>
+        <p:cNvGrpSpPr/>
+        <p:nvPr/>
+      </p:nvGrpSpPr>
+      <p:grpSpPr>
+        <a:xfrm>
+          <a:off x="0" y="0"/>
+          <a:ext cx="0" cy="0"/>
+          <a:chOff x="0" y="0"/>
+          <a:chExt cx="0" cy="0"/>
+        </a:xfrm>
+      </p:grpSpPr>
+      <p:sp>
+        <p:nvSpPr>
+          <p:cNvPr id="577" name="Google Shape;577;g64236bab61_0_89:notes"/>
+          <p:cNvSpPr/>
+          <p:nvPr>
+            <p:ph idx="2" type="sldImg"/>
+          </p:nvPr>
+        </p:nvSpPr>
+        <p:spPr>
+          <a:xfrm>
+            <a:off x="381188" y="685800"/>
+            <a:ext cx="6096300" cy="3429000"/>
+          </a:xfrm>
+          <a:custGeom>
+            <a:rect b="b" l="l" r="r" t="t"/>
+            <a:pathLst>
+              <a:path extrusionOk="0" h="120000" w="120000">
+                <a:moveTo>
+                  <a:pt x="0" y="0"/>
+                </a:moveTo>
+                <a:lnTo>
+                  <a:pt x="120000" y="0"/>
+                </a:lnTo>
+                <a:lnTo>
+                  <a:pt x="120000" y="120000"/>
+                </a:lnTo>
+                <a:lnTo>
+                  <a:pt x="0" y="120000"/>
+                </a:lnTo>
+                <a:close/>
+              </a:path>
+            </a:pathLst>
+          </a:custGeom>
+        </p:spPr>
+      </p:sp>
+      <p:sp>
+        <p:nvSpPr>
+          <p:cNvPr id="578" name="Google Shape;578;g64236bab61_0_89:notes"/>
+          <p:cNvSpPr txBox="1"/>
+          <p:nvPr>
+            <p:ph idx="1" type="body"/>
+          </p:nvPr>
+        </p:nvSpPr>
+        <p:spPr>
+          <a:xfrm>
+            <a:off x="685800" y="4343400"/>
+            <a:ext cx="5486400" cy="4114800"/>
+          </a:xfrm>
+          <a:prstGeom prst="rect">
+            <a:avLst/>
+          </a:prstGeom>
+        </p:spPr>
+        <p:txBody>
+          <a:bodyPr anchorCtr="0" anchor="t" bIns="91425" lIns="91425" spcFirstLastPara="1" rIns="91425" wrap="square" tIns="91425">
+            <a:noAutofit/>
+          </a:bodyPr>
+          <a:lstStyle/>
+          <a:p>
+            <a:pPr indent="0" lvl="0" marL="0" rtl="0" algn="l">
+              <a:spcBef>
+                <a:spcPts val="0"/>
+              </a:spcBef>
+              <a:spcAft>
+                <a:spcPts val="0"/>
+              </a:spcAft>
+              <a:buNone/>
+            </a:pPr>
+            <a:r>
+              <a:t/>
+            </a:r>
+            <a:endParaRPr/>
+          </a:p>
+        </p:txBody>
+      </p:sp>
+    </p:spTree>
+  </p:cSld>
+  <p:clrMapOvr>
+    <a:masterClrMapping/>
+  </p:clrMapOvr>
+</p:notes>
+</file>
+
+<file path=ppt/notesSlides/notesSlide78.xml><?xml version="1.0" encoding="utf-8"?>
+<p:notes xmlns:a="http://schemas.openxmlformats.org/drawingml/2006/main" xmlns:r="http://schemas.openxmlformats.org/officeDocument/2006/relationships" xmlns:mc="http://schemas.openxmlformats.org/markup-compatibility/2006" xmlns:mv="urn:schemas-microsoft-com:mac:vml" xmlns:p="http://schemas.openxmlformats.org/presentationml/2006/main" xmlns:c="http://schemas.openxmlformats.org/drawingml/2006/chart" xmlns:dgm="http://schemas.openxmlformats.org/drawingml/2006/diagram" xmlns:o="urn:schemas-microsoft-com:office:office" xmlns:v="urn:schemas-microsoft-com:vml" xmlns:pvml="urn:schemas-microsoft-com:office:powerpoint" xmlns:com="http://schemas.openxmlformats.org/drawingml/2006/compatibility" xmlns:p14="http://schemas.microsoft.com/office/powerpoint/2010/main" xmlns:p15="http://schemas.microsoft.com/office/powerpoint/2012/main" showMasterPhAnim="0" showMasterSp="0">
+  <p:cSld>
+    <p:spTree>
+      <p:nvGrpSpPr>
+        <p:cNvPr id="585" name="Shape 585"/>
+        <p:cNvGrpSpPr/>
+        <p:nvPr/>
+      </p:nvGrpSpPr>
+      <p:grpSpPr>
+        <a:xfrm>
+          <a:off x="0" y="0"/>
+          <a:ext cx="0" cy="0"/>
+          <a:chOff x="0" y="0"/>
+          <a:chExt cx="0" cy="0"/>
+        </a:xfrm>
+      </p:grpSpPr>
+      <p:sp>
+        <p:nvSpPr>
+          <p:cNvPr id="586" name="Google Shape;586;g64236bab61_0_99:notes"/>
+          <p:cNvSpPr/>
+          <p:nvPr>
+            <p:ph idx="2" type="sldImg"/>
+          </p:nvPr>
+        </p:nvSpPr>
+        <p:spPr>
+          <a:xfrm>
+            <a:off x="381188" y="685800"/>
+            <a:ext cx="6096300" cy="3429000"/>
+          </a:xfrm>
+          <a:custGeom>
+            <a:rect b="b" l="l" r="r" t="t"/>
+            <a:pathLst>
+              <a:path extrusionOk="0" h="120000" w="120000">
+                <a:moveTo>
+                  <a:pt x="0" y="0"/>
+                </a:moveTo>
+                <a:lnTo>
+                  <a:pt x="120000" y="0"/>
+                </a:lnTo>
+                <a:lnTo>
+                  <a:pt x="120000" y="120000"/>
+                </a:lnTo>
+                <a:lnTo>
+                  <a:pt x="0" y="120000"/>
+                </a:lnTo>
+                <a:close/>
+              </a:path>
+            </a:pathLst>
+          </a:custGeom>
+        </p:spPr>
+      </p:sp>
+      <p:sp>
+        <p:nvSpPr>
+          <p:cNvPr id="587" name="Google Shape;587;g64236bab61_0_99:notes"/>
+          <p:cNvSpPr txBox="1"/>
+          <p:nvPr>
+            <p:ph idx="1" type="body"/>
+          </p:nvPr>
+        </p:nvSpPr>
+        <p:spPr>
+          <a:xfrm>
+            <a:off x="685800" y="4343400"/>
+            <a:ext cx="5486400" cy="4114800"/>
+          </a:xfrm>
+          <a:prstGeom prst="rect">
+            <a:avLst/>
+          </a:prstGeom>
+        </p:spPr>
+        <p:txBody>
+          <a:bodyPr anchorCtr="0" anchor="t" bIns="91425" lIns="91425" spcFirstLastPara="1" rIns="91425" wrap="square" tIns="91425">
+            <a:noAutofit/>
+          </a:bodyPr>
+          <a:lstStyle/>
+          <a:p>
+            <a:pPr indent="0" lvl="0" marL="0" rtl="0" algn="l">
+              <a:spcBef>
+                <a:spcPts val="0"/>
+              </a:spcBef>
+              <a:spcAft>
+                <a:spcPts val="0"/>
+              </a:spcAft>
+              <a:buNone/>
+            </a:pPr>
+            <a:r>
+              <a:t/>
+            </a:r>
+            <a:endParaRPr/>
+          </a:p>
+        </p:txBody>
+      </p:sp>
+    </p:spTree>
+  </p:cSld>
+  <p:clrMapOvr>
+    <a:masterClrMapping/>
+  </p:clrMapOvr>
+</p:notes>
+</file>
+
+<file path=ppt/notesSlides/notesSlide79.xml><?xml version="1.0" encoding="utf-8"?>
+<p:notes xmlns:a="http://schemas.openxmlformats.org/drawingml/2006/main" xmlns:r="http://schemas.openxmlformats.org/officeDocument/2006/relationships" xmlns:mc="http://schemas.openxmlformats.org/markup-compatibility/2006" xmlns:mv="urn:schemas-microsoft-com:mac:vml" xmlns:p="http://schemas.openxmlformats.org/presentationml/2006/main" xmlns:c="http://schemas.openxmlformats.org/drawingml/2006/chart" xmlns:dgm="http://schemas.openxmlformats.org/drawingml/2006/diagram" xmlns:o="urn:schemas-microsoft-com:office:office" xmlns:v="urn:schemas-microsoft-com:vml" xmlns:pvml="urn:schemas-microsoft-com:office:powerpoint" xmlns:com="http://schemas.openxmlformats.org/drawingml/2006/compatibility" xmlns:p14="http://schemas.microsoft.com/office/powerpoint/2010/main" xmlns:p15="http://schemas.microsoft.com/office/powerpoint/2012/main" showMasterPhAnim="0" showMasterSp="0">
+  <p:cSld>
+    <p:spTree>
+      <p:nvGrpSpPr>
+        <p:cNvPr id="590" name="Shape 590"/>
+        <p:cNvGrpSpPr/>
+        <p:nvPr/>
+      </p:nvGrpSpPr>
+      <p:grpSpPr>
+        <a:xfrm>
+          <a:off x="0" y="0"/>
+          <a:ext cx="0" cy="0"/>
+          <a:chOff x="0" y="0"/>
+          <a:chExt cx="0" cy="0"/>
+        </a:xfrm>
+      </p:grpSpPr>
+      <p:sp>
+        <p:nvSpPr>
+          <p:cNvPr id="591" name="Google Shape;591;g64236bab61_0_0:notes"/>
+          <p:cNvSpPr/>
+          <p:nvPr>
+            <p:ph idx="2" type="sldImg"/>
+          </p:nvPr>
+        </p:nvSpPr>
+        <p:spPr>
+          <a:xfrm>
+            <a:off x="381188" y="685800"/>
+            <a:ext cx="6096300" cy="3429000"/>
+          </a:xfrm>
+          <a:custGeom>
+            <a:rect b="b" l="l" r="r" t="t"/>
+            <a:pathLst>
+              <a:path extrusionOk="0" h="120000" w="120000">
+                <a:moveTo>
+                  <a:pt x="0" y="0"/>
+                </a:moveTo>
+                <a:lnTo>
+                  <a:pt x="120000" y="0"/>
+                </a:lnTo>
+                <a:lnTo>
+                  <a:pt x="120000" y="120000"/>
+                </a:lnTo>
+                <a:lnTo>
+                  <a:pt x="0" y="120000"/>
+                </a:lnTo>
+                <a:close/>
+              </a:path>
+            </a:pathLst>
+          </a:custGeom>
+        </p:spPr>
+      </p:sp>
+      <p:sp>
+        <p:nvSpPr>
+          <p:cNvPr id="592" name="Google Shape;592;g64236bab61_0_0:notes"/>
           <p:cNvSpPr txBox="1"/>
           <p:nvPr>
             <p:ph idx="1" type="body"/>
@@ -13438,7 +14349,7 @@
             <a:tbl>
               <a:tblPr>
                 <a:noFill/>
-                <a:tableStyleId>{57E1212D-4DE4-44F8-8E6D-09636DD7F15E}</a:tableStyleId>
+                <a:tableStyleId>{3C48B5B4-BF9C-4512-80BF-52B5D6343D39}</a:tableStyleId>
               </a:tblPr>
               <a:tblGrid>
                 <a:gridCol w="2110900"/>
@@ -14054,7 +14965,7 @@
             <a:tbl>
               <a:tblPr>
                 <a:noFill/>
-                <a:tableStyleId>{57E1212D-4DE4-44F8-8E6D-09636DD7F15E}</a:tableStyleId>
+                <a:tableStyleId>{3C48B5B4-BF9C-4512-80BF-52B5D6343D39}</a:tableStyleId>
               </a:tblPr>
               <a:tblGrid>
                 <a:gridCol w="2110900"/>
@@ -14571,7 +15482,7 @@
             <a:tbl>
               <a:tblPr>
                 <a:noFill/>
-                <a:tableStyleId>{57E1212D-4DE4-44F8-8E6D-09636DD7F15E}</a:tableStyleId>
+                <a:tableStyleId>{3C48B5B4-BF9C-4512-80BF-52B5D6343D39}</a:tableStyleId>
               </a:tblPr>
               <a:tblGrid>
                 <a:gridCol w="2110900"/>
@@ -14965,7 +15876,7 @@
             <a:tbl>
               <a:tblPr>
                 <a:noFill/>
-                <a:tableStyleId>{57E1212D-4DE4-44F8-8E6D-09636DD7F15E}</a:tableStyleId>
+                <a:tableStyleId>{3C48B5B4-BF9C-4512-80BF-52B5D6343D39}</a:tableStyleId>
               </a:tblPr>
               <a:tblGrid>
                 <a:gridCol w="2110900"/>
@@ -15896,7 +16807,7 @@
             <a:tbl>
               <a:tblPr>
                 <a:noFill/>
-                <a:tableStyleId>{57E1212D-4DE4-44F8-8E6D-09636DD7F15E}</a:tableStyleId>
+                <a:tableStyleId>{3C48B5B4-BF9C-4512-80BF-52B5D6343D39}</a:tableStyleId>
               </a:tblPr>
               <a:tblGrid>
                 <a:gridCol w="2110900"/>
@@ -16820,7 +17731,7 @@
             <a:tbl>
               <a:tblPr>
                 <a:noFill/>
-                <a:tableStyleId>{57E1212D-4DE4-44F8-8E6D-09636DD7F15E}</a:tableStyleId>
+                <a:tableStyleId>{3C48B5B4-BF9C-4512-80BF-52B5D6343D39}</a:tableStyleId>
               </a:tblPr>
               <a:tblGrid>
                 <a:gridCol w="2110900"/>
@@ -17362,7 +18273,7 @@
             <a:tbl>
               <a:tblPr>
                 <a:noFill/>
-                <a:tableStyleId>{57E1212D-4DE4-44F8-8E6D-09636DD7F15E}</a:tableStyleId>
+                <a:tableStyleId>{3C48B5B4-BF9C-4512-80BF-52B5D6343D39}</a:tableStyleId>
               </a:tblPr>
               <a:tblGrid>
                 <a:gridCol w="2110900"/>
@@ -17875,7 +18786,7 @@
             <a:tbl>
               <a:tblPr>
                 <a:noFill/>
-                <a:tableStyleId>{57E1212D-4DE4-44F8-8E6D-09636DD7F15E}</a:tableStyleId>
+                <a:tableStyleId>{3C48B5B4-BF9C-4512-80BF-52B5D6343D39}</a:tableStyleId>
               </a:tblPr>
               <a:tblGrid>
                 <a:gridCol w="2110900"/>
@@ -18245,7 +19156,7 @@
             <a:tbl>
               <a:tblPr>
                 <a:noFill/>
-                <a:tableStyleId>{57E1212D-4DE4-44F8-8E6D-09636DD7F15E}</a:tableStyleId>
+                <a:tableStyleId>{3C48B5B4-BF9C-4512-80BF-52B5D6343D39}</a:tableStyleId>
               </a:tblPr>
               <a:tblGrid>
                 <a:gridCol w="2110900"/>
@@ -19251,7 +20162,7 @@
             <a:tbl>
               <a:tblPr>
                 <a:noFill/>
-                <a:tableStyleId>{57E1212D-4DE4-44F8-8E6D-09636DD7F15E}</a:tableStyleId>
+                <a:tableStyleId>{3C48B5B4-BF9C-4512-80BF-52B5D6343D39}</a:tableStyleId>
               </a:tblPr>
               <a:tblGrid>
                 <a:gridCol w="2110900"/>
@@ -20151,7 +21062,7 @@
             <a:tbl>
               <a:tblPr>
                 <a:noFill/>
-                <a:tableStyleId>{57E1212D-4DE4-44F8-8E6D-09636DD7F15E}</a:tableStyleId>
+                <a:tableStyleId>{3C48B5B4-BF9C-4512-80BF-52B5D6343D39}</a:tableStyleId>
               </a:tblPr>
               <a:tblGrid>
                 <a:gridCol w="2110900"/>
@@ -20767,7 +21678,7 @@
             <a:tbl>
               <a:tblPr>
                 <a:noFill/>
-                <a:tableStyleId>{57E1212D-4DE4-44F8-8E6D-09636DD7F15E}</a:tableStyleId>
+                <a:tableStyleId>{3C48B5B4-BF9C-4512-80BF-52B5D6343D39}</a:tableStyleId>
               </a:tblPr>
               <a:tblGrid>
                 <a:gridCol w="2110900"/>
@@ -21284,7 +22195,7 @@
             <a:tbl>
               <a:tblPr>
                 <a:noFill/>
-                <a:tableStyleId>{57E1212D-4DE4-44F8-8E6D-09636DD7F15E}</a:tableStyleId>
+                <a:tableStyleId>{3C48B5B4-BF9C-4512-80BF-52B5D6343D39}</a:tableStyleId>
               </a:tblPr>
               <a:tblGrid>
                 <a:gridCol w="2110900"/>
@@ -21654,7 +22565,7 @@
             <a:tbl>
               <a:tblPr>
                 <a:noFill/>
-                <a:tableStyleId>{57E1212D-4DE4-44F8-8E6D-09636DD7F15E}</a:tableStyleId>
+                <a:tableStyleId>{3C48B5B4-BF9C-4512-80BF-52B5D6343D39}</a:tableStyleId>
               </a:tblPr>
               <a:tblGrid>
                 <a:gridCol w="2110900"/>
@@ -22652,7 +23563,7 @@
             <a:tbl>
               <a:tblPr>
                 <a:noFill/>
-                <a:tableStyleId>{57E1212D-4DE4-44F8-8E6D-09636DD7F15E}</a:tableStyleId>
+                <a:tableStyleId>{3C48B5B4-BF9C-4512-80BF-52B5D6343D39}</a:tableStyleId>
               </a:tblPr>
               <a:tblGrid>
                 <a:gridCol w="2110900"/>
@@ -23555,7 +24466,7 @@
             <a:tbl>
               <a:tblPr>
                 <a:noFill/>
-                <a:tableStyleId>{57E1212D-4DE4-44F8-8E6D-09636DD7F15E}</a:tableStyleId>
+                <a:tableStyleId>{3C48B5B4-BF9C-4512-80BF-52B5D6343D39}</a:tableStyleId>
               </a:tblPr>
               <a:tblGrid>
                 <a:gridCol w="2110900"/>
@@ -24097,7 +25008,7 @@
             <a:tbl>
               <a:tblPr>
                 <a:noFill/>
-                <a:tableStyleId>{57E1212D-4DE4-44F8-8E6D-09636DD7F15E}</a:tableStyleId>
+                <a:tableStyleId>{3C48B5B4-BF9C-4512-80BF-52B5D6343D39}</a:tableStyleId>
               </a:tblPr>
               <a:tblGrid>
                 <a:gridCol w="2110900"/>
@@ -24606,7 +25517,7 @@
             <a:tbl>
               <a:tblPr>
                 <a:noFill/>
-                <a:tableStyleId>{57E1212D-4DE4-44F8-8E6D-09636DD7F15E}</a:tableStyleId>
+                <a:tableStyleId>{3C48B5B4-BF9C-4512-80BF-52B5D6343D39}</a:tableStyleId>
               </a:tblPr>
               <a:tblGrid>
                 <a:gridCol w="2110900"/>
@@ -24976,7 +25887,7 @@
             <a:tbl>
               <a:tblPr>
                 <a:noFill/>
-                <a:tableStyleId>{57E1212D-4DE4-44F8-8E6D-09636DD7F15E}</a:tableStyleId>
+                <a:tableStyleId>{3C48B5B4-BF9C-4512-80BF-52B5D6343D39}</a:tableStyleId>
               </a:tblPr>
               <a:tblGrid>
                 <a:gridCol w="2110900"/>
@@ -25646,7 +26557,7 @@
             <a:tbl>
               <a:tblPr>
                 <a:noFill/>
-                <a:tableStyleId>{57E1212D-4DE4-44F8-8E6D-09636DD7F15E}</a:tableStyleId>
+                <a:tableStyleId>{3C48B5B4-BF9C-4512-80BF-52B5D6343D39}</a:tableStyleId>
               </a:tblPr>
               <a:tblGrid>
                 <a:gridCol w="2280700"/>
@@ -26550,7 +27461,7 @@
             <a:tbl>
               <a:tblPr>
                 <a:noFill/>
-                <a:tableStyleId>{57E1212D-4DE4-44F8-8E6D-09636DD7F15E}</a:tableStyleId>
+                <a:tableStyleId>{3C48B5B4-BF9C-4512-80BF-52B5D6343D39}</a:tableStyleId>
               </a:tblPr>
               <a:tblGrid>
                 <a:gridCol w="2110900"/>
@@ -27166,7 +28077,7 @@
             <a:tbl>
               <a:tblPr>
                 <a:noFill/>
-                <a:tableStyleId>{57E1212D-4DE4-44F8-8E6D-09636DD7F15E}</a:tableStyleId>
+                <a:tableStyleId>{3C48B5B4-BF9C-4512-80BF-52B5D6343D39}</a:tableStyleId>
               </a:tblPr>
               <a:tblGrid>
                 <a:gridCol w="2110900"/>
@@ -27679,7 +28590,7 @@
             <a:tbl>
               <a:tblPr>
                 <a:noFill/>
-                <a:tableStyleId>{57E1212D-4DE4-44F8-8E6D-09636DD7F15E}</a:tableStyleId>
+                <a:tableStyleId>{3C48B5B4-BF9C-4512-80BF-52B5D6343D39}</a:tableStyleId>
               </a:tblPr>
               <a:tblGrid>
                 <a:gridCol w="2110900"/>
@@ -28049,7 +28960,7 @@
             <a:tbl>
               <a:tblPr>
                 <a:noFill/>
-                <a:tableStyleId>{57E1212D-4DE4-44F8-8E6D-09636DD7F15E}</a:tableStyleId>
+                <a:tableStyleId>{3C48B5B4-BF9C-4512-80BF-52B5D6343D39}</a:tableStyleId>
               </a:tblPr>
               <a:tblGrid>
                 <a:gridCol w="2110900"/>
@@ -29739,7 +30650,7 @@
             <a:tbl>
               <a:tblPr>
                 <a:noFill/>
-                <a:tableStyleId>{57E1212D-4DE4-44F8-8E6D-09636DD7F15E}</a:tableStyleId>
+                <a:tableStyleId>{3C48B5B4-BF9C-4512-80BF-52B5D6343D39}</a:tableStyleId>
               </a:tblPr>
               <a:tblGrid>
                 <a:gridCol w="2110900"/>
@@ -30643,7 +31554,7 @@
             <a:tbl>
               <a:tblPr>
                 <a:noFill/>
-                <a:tableStyleId>{57E1212D-4DE4-44F8-8E6D-09636DD7F15E}</a:tableStyleId>
+                <a:tableStyleId>{3C48B5B4-BF9C-4512-80BF-52B5D6343D39}</a:tableStyleId>
               </a:tblPr>
               <a:tblGrid>
                 <a:gridCol w="2110900"/>
@@ -31259,7 +32170,7 @@
             <a:tbl>
               <a:tblPr>
                 <a:noFill/>
-                <a:tableStyleId>{57E1212D-4DE4-44F8-8E6D-09636DD7F15E}</a:tableStyleId>
+                <a:tableStyleId>{3C48B5B4-BF9C-4512-80BF-52B5D6343D39}</a:tableStyleId>
               </a:tblPr>
               <a:tblGrid>
                 <a:gridCol w="2110900"/>
@@ -31772,7 +32683,7 @@
             <a:tbl>
               <a:tblPr>
                 <a:noFill/>
-                <a:tableStyleId>{57E1212D-4DE4-44F8-8E6D-09636DD7F15E}</a:tableStyleId>
+                <a:tableStyleId>{3C48B5B4-BF9C-4512-80BF-52B5D6343D39}</a:tableStyleId>
               </a:tblPr>
               <a:tblGrid>
                 <a:gridCol w="2110900"/>
@@ -32142,7 +33053,7 @@
             <a:tbl>
               <a:tblPr>
                 <a:noFill/>
-                <a:tableStyleId>{57E1212D-4DE4-44F8-8E6D-09636DD7F15E}</a:tableStyleId>
+                <a:tableStyleId>{3C48B5B4-BF9C-4512-80BF-52B5D6343D39}</a:tableStyleId>
               </a:tblPr>
               <a:tblGrid>
                 <a:gridCol w="2110900"/>
@@ -33058,7 +33969,7 @@
             <a:tbl>
               <a:tblPr>
                 <a:noFill/>
-                <a:tableStyleId>{57E1212D-4DE4-44F8-8E6D-09636DD7F15E}</a:tableStyleId>
+                <a:tableStyleId>{3C48B5B4-BF9C-4512-80BF-52B5D6343D39}</a:tableStyleId>
               </a:tblPr>
               <a:tblGrid>
                 <a:gridCol w="2110900"/>
@@ -33961,7 +34872,7 @@
             <a:tbl>
               <a:tblPr>
                 <a:noFill/>
-                <a:tableStyleId>{57E1212D-4DE4-44F8-8E6D-09636DD7F15E}</a:tableStyleId>
+                <a:tableStyleId>{3C48B5B4-BF9C-4512-80BF-52B5D6343D39}</a:tableStyleId>
               </a:tblPr>
               <a:tblGrid>
                 <a:gridCol w="2110900"/>
@@ -34577,7 +35488,7 @@
             <a:tbl>
               <a:tblPr>
                 <a:noFill/>
-                <a:tableStyleId>{57E1212D-4DE4-44F8-8E6D-09636DD7F15E}</a:tableStyleId>
+                <a:tableStyleId>{3C48B5B4-BF9C-4512-80BF-52B5D6343D39}</a:tableStyleId>
               </a:tblPr>
               <a:tblGrid>
                 <a:gridCol w="2110900"/>
@@ -35093,7 +36004,7 @@
             <a:tbl>
               <a:tblPr>
                 <a:noFill/>
-                <a:tableStyleId>{57E1212D-4DE4-44F8-8E6D-09636DD7F15E}</a:tableStyleId>
+                <a:tableStyleId>{3C48B5B4-BF9C-4512-80BF-52B5D6343D39}</a:tableStyleId>
               </a:tblPr>
               <a:tblGrid>
                 <a:gridCol w="2110900"/>
@@ -35463,7 +36374,7 @@
             <a:tbl>
               <a:tblPr>
                 <a:noFill/>
-                <a:tableStyleId>{57E1212D-4DE4-44F8-8E6D-09636DD7F15E}</a:tableStyleId>
+                <a:tableStyleId>{3C48B5B4-BF9C-4512-80BF-52B5D6343D39}</a:tableStyleId>
               </a:tblPr>
               <a:tblGrid>
                 <a:gridCol w="2110900"/>
@@ -36126,7 +37037,7 @@
             <a:tbl>
               <a:tblPr>
                 <a:noFill/>
-                <a:tableStyleId>{57E1212D-4DE4-44F8-8E6D-09636DD7F15E}</a:tableStyleId>
+                <a:tableStyleId>{3C48B5B4-BF9C-4512-80BF-52B5D6343D39}</a:tableStyleId>
               </a:tblPr>
               <a:tblGrid>
                 <a:gridCol w="2110900"/>
@@ -37005,7 +37916,7 @@
             <a:tbl>
               <a:tblPr>
                 <a:noFill/>
-                <a:tableStyleId>{57E1212D-4DE4-44F8-8E6D-09636DD7F15E}</a:tableStyleId>
+                <a:tableStyleId>{3C48B5B4-BF9C-4512-80BF-52B5D6343D39}</a:tableStyleId>
               </a:tblPr>
               <a:tblGrid>
                 <a:gridCol w="2110900"/>
@@ -37621,7 +38532,7 @@
             <a:tbl>
               <a:tblPr>
                 <a:noFill/>
-                <a:tableStyleId>{57E1212D-4DE4-44F8-8E6D-09636DD7F15E}</a:tableStyleId>
+                <a:tableStyleId>{3C48B5B4-BF9C-4512-80BF-52B5D6343D39}</a:tableStyleId>
               </a:tblPr>
               <a:tblGrid>
                 <a:gridCol w="2110900"/>
@@ -38137,7 +39048,7 @@
             <a:tbl>
               <a:tblPr>
                 <a:noFill/>
-                <a:tableStyleId>{57E1212D-4DE4-44F8-8E6D-09636DD7F15E}</a:tableStyleId>
+                <a:tableStyleId>{3C48B5B4-BF9C-4512-80BF-52B5D6343D39}</a:tableStyleId>
               </a:tblPr>
               <a:tblGrid>
                 <a:gridCol w="2110900"/>
@@ -38507,7 +39418,7 @@
             <a:tbl>
               <a:tblPr>
                 <a:noFill/>
-                <a:tableStyleId>{57E1212D-4DE4-44F8-8E6D-09636DD7F15E}</a:tableStyleId>
+                <a:tableStyleId>{3C48B5B4-BF9C-4512-80BF-52B5D6343D39}</a:tableStyleId>
               </a:tblPr>
               <a:tblGrid>
                 <a:gridCol w="2110900"/>
@@ -39559,7 +40470,7 @@
             <a:tbl>
               <a:tblPr>
                 <a:noFill/>
-                <a:tableStyleId>{57E1212D-4DE4-44F8-8E6D-09636DD7F15E}</a:tableStyleId>
+                <a:tableStyleId>{3C48B5B4-BF9C-4512-80BF-52B5D6343D39}</a:tableStyleId>
               </a:tblPr>
               <a:tblGrid>
                 <a:gridCol w="2110900"/>
@@ -40900,7 +41811,7 @@
             <a:tbl>
               <a:tblPr>
                 <a:noFill/>
-                <a:tableStyleId>{57E1212D-4DE4-44F8-8E6D-09636DD7F15E}</a:tableStyleId>
+                <a:tableStyleId>{3C48B5B4-BF9C-4512-80BF-52B5D6343D39}</a:tableStyleId>
               </a:tblPr>
               <a:tblGrid>
                 <a:gridCol w="2110900"/>
@@ -41516,7 +42427,7 @@
             <a:tbl>
               <a:tblPr>
                 <a:noFill/>
-                <a:tableStyleId>{57E1212D-4DE4-44F8-8E6D-09636DD7F15E}</a:tableStyleId>
+                <a:tableStyleId>{3C48B5B4-BF9C-4512-80BF-52B5D6343D39}</a:tableStyleId>
               </a:tblPr>
               <a:tblGrid>
                 <a:gridCol w="2110900"/>
@@ -42032,7 +42943,7 @@
             <a:tbl>
               <a:tblPr>
                 <a:noFill/>
-                <a:tableStyleId>{57E1212D-4DE4-44F8-8E6D-09636DD7F15E}</a:tableStyleId>
+                <a:tableStyleId>{3C48B5B4-BF9C-4512-80BF-52B5D6343D39}</a:tableStyleId>
               </a:tblPr>
               <a:tblGrid>
                 <a:gridCol w="2110900"/>
@@ -42402,7 +43313,7 @@
             <a:tbl>
               <a:tblPr>
                 <a:noFill/>
-                <a:tableStyleId>{57E1212D-4DE4-44F8-8E6D-09636DD7F15E}</a:tableStyleId>
+                <a:tableStyleId>{3C48B5B4-BF9C-4512-80BF-52B5D6343D39}</a:tableStyleId>
               </a:tblPr>
               <a:tblGrid>
                 <a:gridCol w="2110900"/>
@@ -43209,7 +44120,7 @@
             <a:tbl>
               <a:tblPr>
                 <a:noFill/>
-                <a:tableStyleId>{57E1212D-4DE4-44F8-8E6D-09636DD7F15E}</a:tableStyleId>
+                <a:tableStyleId>{3C48B5B4-BF9C-4512-80BF-52B5D6343D39}</a:tableStyleId>
               </a:tblPr>
               <a:tblGrid>
                 <a:gridCol w="5750925"/>
@@ -43300,7 +44211,7 @@
                     <a:bodyPr/>
                     <a:lstStyle/>
                     <a:p>
-                      <a:pPr indent="0" lvl="0" marL="0" rtl="0" algn="l">
+                      <a:pPr indent="0" lvl="0" marL="0" rtl="0" algn="ctr">
                         <a:spcBef>
                           <a:spcPts val="0"/>
                         </a:spcBef>
@@ -43460,7 +44371,7 @@
                     <a:bodyPr/>
                     <a:lstStyle/>
                     <a:p>
-                      <a:pPr indent="0" lvl="0" marL="0" rtl="0" algn="l">
+                      <a:pPr indent="0" lvl="0" marL="0" rtl="0" algn="ctr">
                         <a:spcBef>
                           <a:spcPts val="0"/>
                         </a:spcBef>
@@ -43620,7 +44531,7 @@
                     <a:bodyPr/>
                     <a:lstStyle/>
                     <a:p>
-                      <a:pPr indent="0" lvl="0" marL="0" rtl="0" algn="l">
+                      <a:pPr indent="0" lvl="0" marL="0" rtl="0" algn="ctr">
                         <a:spcBef>
                           <a:spcPts val="0"/>
                         </a:spcBef>
@@ -43780,7 +44691,7 @@
                     <a:bodyPr/>
                     <a:lstStyle/>
                     <a:p>
-                      <a:pPr indent="0" lvl="0" marL="0" rtl="0" algn="l">
+                      <a:pPr indent="0" lvl="0" marL="0" rtl="0" algn="ctr">
                         <a:spcBef>
                           <a:spcPts val="0"/>
                         </a:spcBef>
@@ -43940,7 +44851,7 @@
                     <a:bodyPr/>
                     <a:lstStyle/>
                     <a:p>
-                      <a:pPr indent="0" lvl="0" marL="0" rtl="0" algn="l">
+                      <a:pPr indent="0" lvl="0" marL="0" rtl="0" algn="ctr">
                         <a:spcBef>
                           <a:spcPts val="0"/>
                         </a:spcBef>
@@ -44100,7 +45011,7 @@
                     <a:bodyPr/>
                     <a:lstStyle/>
                     <a:p>
-                      <a:pPr indent="0" lvl="0" marL="0" rtl="0" algn="l">
+                      <a:pPr indent="0" lvl="0" marL="0" rtl="0" algn="ctr">
                         <a:spcBef>
                           <a:spcPts val="0"/>
                         </a:spcBef>
@@ -44260,7 +45171,7 @@
                     <a:bodyPr/>
                     <a:lstStyle/>
                     <a:p>
-                      <a:pPr indent="0" lvl="0" marL="0" rtl="0" algn="l">
+                      <a:pPr indent="0" lvl="0" marL="0" rtl="0" algn="ctr">
                         <a:spcBef>
                           <a:spcPts val="0"/>
                         </a:spcBef>
@@ -44420,7 +45331,7 @@
                     <a:bodyPr/>
                     <a:lstStyle/>
                     <a:p>
-                      <a:pPr indent="0" lvl="0" marL="0" rtl="0" algn="l">
+                      <a:pPr indent="0" lvl="0" marL="0" rtl="0" algn="ctr">
                         <a:spcBef>
                           <a:spcPts val="0"/>
                         </a:spcBef>
@@ -44580,7 +45491,7 @@
                     <a:bodyPr/>
                     <a:lstStyle/>
                     <a:p>
-                      <a:pPr indent="0" lvl="0" marL="0" rtl="0" algn="l">
+                      <a:pPr indent="0" lvl="0" marL="0" rtl="0" algn="ctr">
                         <a:spcBef>
                           <a:spcPts val="0"/>
                         </a:spcBef>
@@ -45099,6 +46010,1517 @@
           </a:ln>
         </p:spPr>
       </p:pic>
+    </p:spTree>
+  </p:cSld>
+  <p:clrMapOvr>
+    <a:masterClrMapping/>
+  </p:clrMapOvr>
+</p:sld>
+</file>
+
+<file path=ppt/slides/slide71.xml><?xml version="1.0" encoding="utf-8"?>
+<p:sld xmlns:a="http://schemas.openxmlformats.org/drawingml/2006/main" xmlns:r="http://schemas.openxmlformats.org/officeDocument/2006/relationships" xmlns:mc="http://schemas.openxmlformats.org/markup-compatibility/2006" xmlns:mv="urn:schemas-microsoft-com:mac:vml" xmlns:p="http://schemas.openxmlformats.org/presentationml/2006/main" xmlns:c="http://schemas.openxmlformats.org/drawingml/2006/chart" xmlns:dgm="http://schemas.openxmlformats.org/drawingml/2006/diagram" xmlns:o="urn:schemas-microsoft-com:office:office" xmlns:v="urn:schemas-microsoft-com:vml" xmlns:pvml="urn:schemas-microsoft-com:office:powerpoint" xmlns:com="http://schemas.openxmlformats.org/drawingml/2006/compatibility" xmlns:p14="http://schemas.microsoft.com/office/powerpoint/2010/main" xmlns:p15="http://schemas.microsoft.com/office/powerpoint/2012/main">
+  <p:cSld>
+    <p:spTree>
+      <p:nvGrpSpPr>
+        <p:cNvPr id="529" name="Shape 529"/>
+        <p:cNvGrpSpPr/>
+        <p:nvPr/>
+      </p:nvGrpSpPr>
+      <p:grpSpPr>
+        <a:xfrm>
+          <a:off x="0" y="0"/>
+          <a:ext cx="0" cy="0"/>
+          <a:chOff x="0" y="0"/>
+          <a:chExt cx="0" cy="0"/>
+        </a:xfrm>
+      </p:grpSpPr>
+      <p:sp>
+        <p:nvSpPr>
+          <p:cNvPr id="530" name="Google Shape;530;p83"/>
+          <p:cNvSpPr txBox="1"/>
+          <p:nvPr>
+            <p:ph type="title"/>
+          </p:nvPr>
+        </p:nvSpPr>
+        <p:spPr>
+          <a:xfrm>
+            <a:off x="1122750" y="1939050"/>
+            <a:ext cx="6898500" cy="1265400"/>
+          </a:xfrm>
+          <a:prstGeom prst="rect">
+            <a:avLst/>
+          </a:prstGeom>
+        </p:spPr>
+        <p:txBody>
+          <a:bodyPr anchorCtr="0" anchor="ctr" bIns="91425" lIns="91425" spcFirstLastPara="1" rIns="91425" wrap="square" tIns="91425">
+            <a:noAutofit/>
+          </a:bodyPr>
+          <a:lstStyle/>
+          <a:p>
+            <a:pPr indent="0" lvl="0" marL="0" rtl="0" algn="ctr">
+              <a:spcBef>
+                <a:spcPts val="0"/>
+              </a:spcBef>
+              <a:spcAft>
+                <a:spcPts val="0"/>
+              </a:spcAft>
+              <a:buNone/>
+            </a:pPr>
+            <a:r>
+              <a:rPr b="1" lang="es" sz="4200"/>
+              <a:t>Ejemplos de </a:t>
+            </a:r>
+            <a:r>
+              <a:rPr b="1" lang="es" sz="4200"/>
+              <a:t>confusión</a:t>
+            </a:r>
+            <a:endParaRPr sz="3000"/>
+          </a:p>
+        </p:txBody>
+      </p:sp>
+    </p:spTree>
+  </p:cSld>
+  <p:clrMapOvr>
+    <a:masterClrMapping/>
+  </p:clrMapOvr>
+</p:sld>
+</file>
+
+<file path=ppt/slides/slide72.xml><?xml version="1.0" encoding="utf-8"?>
+<p:sld xmlns:a="http://schemas.openxmlformats.org/drawingml/2006/main" xmlns:r="http://schemas.openxmlformats.org/officeDocument/2006/relationships" xmlns:mc="http://schemas.openxmlformats.org/markup-compatibility/2006" xmlns:mv="urn:schemas-microsoft-com:mac:vml" xmlns:p="http://schemas.openxmlformats.org/presentationml/2006/main" xmlns:c="http://schemas.openxmlformats.org/drawingml/2006/chart" xmlns:dgm="http://schemas.openxmlformats.org/drawingml/2006/diagram" xmlns:o="urn:schemas-microsoft-com:office:office" xmlns:v="urn:schemas-microsoft-com:vml" xmlns:pvml="urn:schemas-microsoft-com:office:powerpoint" xmlns:com="http://schemas.openxmlformats.org/drawingml/2006/compatibility" xmlns:p14="http://schemas.microsoft.com/office/powerpoint/2010/main" xmlns:p15="http://schemas.microsoft.com/office/powerpoint/2012/main">
+  <p:cSld>
+    <p:spTree>
+      <p:nvGrpSpPr>
+        <p:cNvPr id="534" name="Shape 534"/>
+        <p:cNvGrpSpPr/>
+        <p:nvPr/>
+      </p:nvGrpSpPr>
+      <p:grpSpPr>
+        <a:xfrm>
+          <a:off x="0" y="0"/>
+          <a:ext cx="0" cy="0"/>
+          <a:chOff x="0" y="0"/>
+          <a:chExt cx="0" cy="0"/>
+        </a:xfrm>
+      </p:grpSpPr>
+      <p:sp>
+        <p:nvSpPr>
+          <p:cNvPr id="535" name="Google Shape;535;p84"/>
+          <p:cNvSpPr txBox="1"/>
+          <p:nvPr>
+            <p:ph type="title"/>
+          </p:nvPr>
+        </p:nvSpPr>
+        <p:spPr>
+          <a:xfrm>
+            <a:off x="311700" y="445025"/>
+            <a:ext cx="8520600" cy="572700"/>
+          </a:xfrm>
+          <a:prstGeom prst="rect">
+            <a:avLst/>
+          </a:prstGeom>
+        </p:spPr>
+        <p:txBody>
+          <a:bodyPr anchorCtr="0" anchor="t" bIns="91425" lIns="91425" spcFirstLastPara="1" rIns="91425" wrap="square" tIns="91425">
+            <a:noAutofit/>
+          </a:bodyPr>
+          <a:lstStyle/>
+          <a:p>
+            <a:pPr indent="0" lvl="0" marL="0" rtl="0" algn="l">
+              <a:spcBef>
+                <a:spcPts val="0"/>
+              </a:spcBef>
+              <a:spcAft>
+                <a:spcPts val="0"/>
+              </a:spcAft>
+              <a:buNone/>
+            </a:pPr>
+            <a:r>
+              <a:rPr lang="es"/>
+              <a:t>Ejemplo: Shih-Tzu = Lhasa</a:t>
+            </a:r>
+            <a:endParaRPr/>
+          </a:p>
+        </p:txBody>
+      </p:sp>
+      <p:sp>
+        <p:nvSpPr>
+          <p:cNvPr id="536" name="Google Shape;536;p84"/>
+          <p:cNvSpPr txBox="1"/>
+          <p:nvPr>
+            <p:ph idx="1" type="body"/>
+          </p:nvPr>
+        </p:nvSpPr>
+        <p:spPr>
+          <a:xfrm>
+            <a:off x="311700" y="1152475"/>
+            <a:ext cx="3999900" cy="572700"/>
+          </a:xfrm>
+          <a:prstGeom prst="rect">
+            <a:avLst/>
+          </a:prstGeom>
+        </p:spPr>
+        <p:txBody>
+          <a:bodyPr anchorCtr="0" anchor="t" bIns="91425" lIns="91425" spcFirstLastPara="1" rIns="91425" wrap="square" tIns="91425">
+            <a:noAutofit/>
+          </a:bodyPr>
+          <a:lstStyle/>
+          <a:p>
+            <a:pPr indent="0" lvl="0" marL="0" rtl="0" algn="l">
+              <a:spcBef>
+                <a:spcPts val="0"/>
+              </a:spcBef>
+              <a:spcAft>
+                <a:spcPts val="0"/>
+              </a:spcAft>
+              <a:buNone/>
+            </a:pPr>
+            <a:r>
+              <a:rPr b="1" lang="es" sz="2100"/>
+              <a:t>Shih-Tzu</a:t>
+            </a:r>
+            <a:endParaRPr b="1" sz="2100"/>
+          </a:p>
+          <a:p>
+            <a:pPr indent="0" lvl="0" marL="457200" rtl="0" algn="l">
+              <a:spcBef>
+                <a:spcPts val="1600"/>
+              </a:spcBef>
+              <a:spcAft>
+                <a:spcPts val="1600"/>
+              </a:spcAft>
+              <a:buNone/>
+            </a:pPr>
+            <a:r>
+              <a:t/>
+            </a:r>
+            <a:endParaRPr sz="1600"/>
+          </a:p>
+        </p:txBody>
+      </p:sp>
+      <p:sp>
+        <p:nvSpPr>
+          <p:cNvPr id="537" name="Google Shape;537;p84"/>
+          <p:cNvSpPr txBox="1"/>
+          <p:nvPr>
+            <p:ph idx="2" type="body"/>
+          </p:nvPr>
+        </p:nvSpPr>
+        <p:spPr>
+          <a:xfrm>
+            <a:off x="4832400" y="1152475"/>
+            <a:ext cx="3999900" cy="572700"/>
+          </a:xfrm>
+          <a:prstGeom prst="rect">
+            <a:avLst/>
+          </a:prstGeom>
+        </p:spPr>
+        <p:txBody>
+          <a:bodyPr anchorCtr="0" anchor="t" bIns="91425" lIns="91425" spcFirstLastPara="1" rIns="91425" wrap="square" tIns="91425">
+            <a:noAutofit/>
+          </a:bodyPr>
+          <a:lstStyle/>
+          <a:p>
+            <a:pPr indent="0" lvl="0" marL="0" rtl="0" algn="l">
+              <a:spcBef>
+                <a:spcPts val="0"/>
+              </a:spcBef>
+              <a:spcAft>
+                <a:spcPts val="1600"/>
+              </a:spcAft>
+              <a:buNone/>
+            </a:pPr>
+            <a:r>
+              <a:rPr b="1" lang="es" sz="2100"/>
+              <a:t>Lhasa</a:t>
+            </a:r>
+            <a:endParaRPr sz="1600"/>
+          </a:p>
+        </p:txBody>
+      </p:sp>
+      <p:pic>
+        <p:nvPicPr>
+          <p:cNvPr id="538" name="Google Shape;538;p84"/>
+          <p:cNvPicPr preferRelativeResize="0"/>
+          <p:nvPr/>
+        </p:nvPicPr>
+        <p:blipFill rotWithShape="1">
+          <a:blip r:embed="rId3">
+            <a:alphaModFix/>
+          </a:blip>
+          <a:srcRect b="6393" l="0" r="0" t="0"/>
+          <a:stretch/>
+        </p:blipFill>
+        <p:spPr>
+          <a:xfrm>
+            <a:off x="235963" y="1725175"/>
+            <a:ext cx="4151375" cy="2914500"/>
+          </a:xfrm>
+          <a:prstGeom prst="rect">
+            <a:avLst/>
+          </a:prstGeom>
+          <a:noFill/>
+          <a:ln>
+            <a:noFill/>
+          </a:ln>
+        </p:spPr>
+      </p:pic>
+      <p:pic>
+        <p:nvPicPr>
+          <p:cNvPr id="539" name="Google Shape;539;p84"/>
+          <p:cNvPicPr preferRelativeResize="0"/>
+          <p:nvPr/>
+        </p:nvPicPr>
+        <p:blipFill rotWithShape="1">
+          <a:blip r:embed="rId4">
+            <a:alphaModFix/>
+          </a:blip>
+          <a:srcRect b="0" l="0" r="4297" t="0"/>
+          <a:stretch/>
+        </p:blipFill>
+        <p:spPr>
+          <a:xfrm>
+            <a:off x="4719988" y="1725175"/>
+            <a:ext cx="4188025" cy="2914500"/>
+          </a:xfrm>
+          <a:prstGeom prst="rect">
+            <a:avLst/>
+          </a:prstGeom>
+          <a:noFill/>
+          <a:ln>
+            <a:noFill/>
+          </a:ln>
+        </p:spPr>
+      </p:pic>
+    </p:spTree>
+  </p:cSld>
+  <p:clrMapOvr>
+    <a:masterClrMapping/>
+  </p:clrMapOvr>
+</p:sld>
+</file>
+
+<file path=ppt/slides/slide73.xml><?xml version="1.0" encoding="utf-8"?>
+<p:sld xmlns:a="http://schemas.openxmlformats.org/drawingml/2006/main" xmlns:r="http://schemas.openxmlformats.org/officeDocument/2006/relationships" xmlns:mc="http://schemas.openxmlformats.org/markup-compatibility/2006" xmlns:mv="urn:schemas-microsoft-com:mac:vml" xmlns:p="http://schemas.openxmlformats.org/presentationml/2006/main" xmlns:c="http://schemas.openxmlformats.org/drawingml/2006/chart" xmlns:dgm="http://schemas.openxmlformats.org/drawingml/2006/diagram" xmlns:o="urn:schemas-microsoft-com:office:office" xmlns:v="urn:schemas-microsoft-com:vml" xmlns:pvml="urn:schemas-microsoft-com:office:powerpoint" xmlns:com="http://schemas.openxmlformats.org/drawingml/2006/compatibility" xmlns:p14="http://schemas.microsoft.com/office/powerpoint/2010/main" xmlns:p15="http://schemas.microsoft.com/office/powerpoint/2012/main">
+  <p:cSld>
+    <p:spTree>
+      <p:nvGrpSpPr>
+        <p:cNvPr id="543" name="Shape 543"/>
+        <p:cNvGrpSpPr/>
+        <p:nvPr/>
+      </p:nvGrpSpPr>
+      <p:grpSpPr>
+        <a:xfrm>
+          <a:off x="0" y="0"/>
+          <a:ext cx="0" cy="0"/>
+          <a:chOff x="0" y="0"/>
+          <a:chExt cx="0" cy="0"/>
+        </a:xfrm>
+      </p:grpSpPr>
+      <p:sp>
+        <p:nvSpPr>
+          <p:cNvPr id="544" name="Google Shape;544;p85"/>
+          <p:cNvSpPr txBox="1"/>
+          <p:nvPr>
+            <p:ph type="title"/>
+          </p:nvPr>
+        </p:nvSpPr>
+        <p:spPr>
+          <a:xfrm>
+            <a:off x="311700" y="445025"/>
+            <a:ext cx="8520600" cy="572700"/>
+          </a:xfrm>
+          <a:prstGeom prst="rect">
+            <a:avLst/>
+          </a:prstGeom>
+        </p:spPr>
+        <p:txBody>
+          <a:bodyPr anchorCtr="0" anchor="t" bIns="91425" lIns="91425" spcFirstLastPara="1" rIns="91425" wrap="square" tIns="91425">
+            <a:noAutofit/>
+          </a:bodyPr>
+          <a:lstStyle/>
+          <a:p>
+            <a:pPr indent="0" lvl="0" marL="0" rtl="0" algn="l">
+              <a:spcBef>
+                <a:spcPts val="0"/>
+              </a:spcBef>
+              <a:spcAft>
+                <a:spcPts val="0"/>
+              </a:spcAft>
+              <a:buNone/>
+            </a:pPr>
+            <a:r>
+              <a:rPr lang="es"/>
+              <a:t>Ejemplo: Shih-Tzu = Lhasa</a:t>
+            </a:r>
+            <a:endParaRPr/>
+          </a:p>
+        </p:txBody>
+      </p:sp>
+      <p:sp>
+        <p:nvSpPr>
+          <p:cNvPr id="545" name="Google Shape;545;p85"/>
+          <p:cNvSpPr txBox="1"/>
+          <p:nvPr>
+            <p:ph idx="1" type="body"/>
+          </p:nvPr>
+        </p:nvSpPr>
+        <p:spPr>
+          <a:xfrm>
+            <a:off x="311700" y="1152475"/>
+            <a:ext cx="3999900" cy="572700"/>
+          </a:xfrm>
+          <a:prstGeom prst="rect">
+            <a:avLst/>
+          </a:prstGeom>
+        </p:spPr>
+        <p:txBody>
+          <a:bodyPr anchorCtr="0" anchor="t" bIns="91425" lIns="91425" spcFirstLastPara="1" rIns="91425" wrap="square" tIns="91425">
+            <a:noAutofit/>
+          </a:bodyPr>
+          <a:lstStyle/>
+          <a:p>
+            <a:pPr indent="0" lvl="0" marL="0" rtl="0" algn="l">
+              <a:spcBef>
+                <a:spcPts val="0"/>
+              </a:spcBef>
+              <a:spcAft>
+                <a:spcPts val="0"/>
+              </a:spcAft>
+              <a:buNone/>
+            </a:pPr>
+            <a:r>
+              <a:rPr b="1" lang="es" sz="2100"/>
+              <a:t>Shih-Tzu</a:t>
+            </a:r>
+            <a:endParaRPr b="1" sz="2100"/>
+          </a:p>
+          <a:p>
+            <a:pPr indent="0" lvl="0" marL="457200" rtl="0" algn="l">
+              <a:spcBef>
+                <a:spcPts val="1600"/>
+              </a:spcBef>
+              <a:spcAft>
+                <a:spcPts val="1600"/>
+              </a:spcAft>
+              <a:buNone/>
+            </a:pPr>
+            <a:r>
+              <a:t/>
+            </a:r>
+            <a:endParaRPr sz="1600"/>
+          </a:p>
+        </p:txBody>
+      </p:sp>
+      <p:sp>
+        <p:nvSpPr>
+          <p:cNvPr id="546" name="Google Shape;546;p85"/>
+          <p:cNvSpPr txBox="1"/>
+          <p:nvPr>
+            <p:ph idx="2" type="body"/>
+          </p:nvPr>
+        </p:nvSpPr>
+        <p:spPr>
+          <a:xfrm>
+            <a:off x="4832400" y="1152475"/>
+            <a:ext cx="3999900" cy="572700"/>
+          </a:xfrm>
+          <a:prstGeom prst="rect">
+            <a:avLst/>
+          </a:prstGeom>
+        </p:spPr>
+        <p:txBody>
+          <a:bodyPr anchorCtr="0" anchor="t" bIns="91425" lIns="91425" spcFirstLastPara="1" rIns="91425" wrap="square" tIns="91425">
+            <a:noAutofit/>
+          </a:bodyPr>
+          <a:lstStyle/>
+          <a:p>
+            <a:pPr indent="0" lvl="0" marL="0" rtl="0" algn="l">
+              <a:spcBef>
+                <a:spcPts val="0"/>
+              </a:spcBef>
+              <a:spcAft>
+                <a:spcPts val="1600"/>
+              </a:spcAft>
+              <a:buNone/>
+            </a:pPr>
+            <a:r>
+              <a:rPr b="1" lang="es" sz="2100"/>
+              <a:t>Lhasa</a:t>
+            </a:r>
+            <a:endParaRPr sz="1600"/>
+          </a:p>
+        </p:txBody>
+      </p:sp>
+      <p:pic>
+        <p:nvPicPr>
+          <p:cNvPr id="547" name="Google Shape;547;p85"/>
+          <p:cNvPicPr preferRelativeResize="0"/>
+          <p:nvPr/>
+        </p:nvPicPr>
+        <p:blipFill rotWithShape="1">
+          <a:blip r:embed="rId3">
+            <a:alphaModFix/>
+          </a:blip>
+          <a:srcRect b="4770" l="0" r="0" t="0"/>
+          <a:stretch/>
+        </p:blipFill>
+        <p:spPr>
+          <a:xfrm>
+            <a:off x="235975" y="1725175"/>
+            <a:ext cx="4151350" cy="2964950"/>
+          </a:xfrm>
+          <a:prstGeom prst="rect">
+            <a:avLst/>
+          </a:prstGeom>
+          <a:noFill/>
+          <a:ln>
+            <a:noFill/>
+          </a:ln>
+        </p:spPr>
+      </p:pic>
+      <p:pic>
+        <p:nvPicPr>
+          <p:cNvPr id="548" name="Google Shape;548;p85"/>
+          <p:cNvPicPr preferRelativeResize="0"/>
+          <p:nvPr/>
+        </p:nvPicPr>
+        <p:blipFill rotWithShape="1">
+          <a:blip r:embed="rId4">
+            <a:alphaModFix/>
+          </a:blip>
+          <a:srcRect b="0" l="0" r="3372" t="0"/>
+          <a:stretch/>
+        </p:blipFill>
+        <p:spPr>
+          <a:xfrm>
+            <a:off x="4606425" y="1725175"/>
+            <a:ext cx="4301600" cy="2964950"/>
+          </a:xfrm>
+          <a:prstGeom prst="rect">
+            <a:avLst/>
+          </a:prstGeom>
+          <a:noFill/>
+          <a:ln>
+            <a:noFill/>
+          </a:ln>
+        </p:spPr>
+      </p:pic>
+    </p:spTree>
+  </p:cSld>
+  <p:clrMapOvr>
+    <a:masterClrMapping/>
+  </p:clrMapOvr>
+</p:sld>
+</file>
+
+<file path=ppt/slides/slide74.xml><?xml version="1.0" encoding="utf-8"?>
+<p:sld xmlns:a="http://schemas.openxmlformats.org/drawingml/2006/main" xmlns:r="http://schemas.openxmlformats.org/officeDocument/2006/relationships" xmlns:mc="http://schemas.openxmlformats.org/markup-compatibility/2006" xmlns:mv="urn:schemas-microsoft-com:mac:vml" xmlns:p="http://schemas.openxmlformats.org/presentationml/2006/main" xmlns:c="http://schemas.openxmlformats.org/drawingml/2006/chart" xmlns:dgm="http://schemas.openxmlformats.org/drawingml/2006/diagram" xmlns:o="urn:schemas-microsoft-com:office:office" xmlns:v="urn:schemas-microsoft-com:vml" xmlns:pvml="urn:schemas-microsoft-com:office:powerpoint" xmlns:com="http://schemas.openxmlformats.org/drawingml/2006/compatibility" xmlns:p14="http://schemas.microsoft.com/office/powerpoint/2010/main" xmlns:p15="http://schemas.microsoft.com/office/powerpoint/2012/main">
+  <p:cSld>
+    <p:spTree>
+      <p:nvGrpSpPr>
+        <p:cNvPr id="552" name="Shape 552"/>
+        <p:cNvGrpSpPr/>
+        <p:nvPr/>
+      </p:nvGrpSpPr>
+      <p:grpSpPr>
+        <a:xfrm>
+          <a:off x="0" y="0"/>
+          <a:ext cx="0" cy="0"/>
+          <a:chOff x="0" y="0"/>
+          <a:chExt cx="0" cy="0"/>
+        </a:xfrm>
+      </p:grpSpPr>
+      <p:sp>
+        <p:nvSpPr>
+          <p:cNvPr id="553" name="Google Shape;553;p86"/>
+          <p:cNvSpPr txBox="1"/>
+          <p:nvPr>
+            <p:ph type="title"/>
+          </p:nvPr>
+        </p:nvSpPr>
+        <p:spPr>
+          <a:xfrm>
+            <a:off x="311700" y="445025"/>
+            <a:ext cx="8520600" cy="572700"/>
+          </a:xfrm>
+          <a:prstGeom prst="rect">
+            <a:avLst/>
+          </a:prstGeom>
+        </p:spPr>
+        <p:txBody>
+          <a:bodyPr anchorCtr="0" anchor="t" bIns="91425" lIns="91425" spcFirstLastPara="1" rIns="91425" wrap="square" tIns="91425">
+            <a:noAutofit/>
+          </a:bodyPr>
+          <a:lstStyle/>
+          <a:p>
+            <a:pPr indent="0" lvl="0" marL="0" rtl="0" algn="l">
+              <a:spcBef>
+                <a:spcPts val="0"/>
+              </a:spcBef>
+              <a:spcAft>
+                <a:spcPts val="0"/>
+              </a:spcAft>
+              <a:buNone/>
+            </a:pPr>
+            <a:r>
+              <a:rPr lang="es"/>
+              <a:t>Ejemplo: M</a:t>
+            </a:r>
+            <a:r>
+              <a:rPr lang="es"/>
+              <a:t>iniature poodle</a:t>
+            </a:r>
+            <a:r>
+              <a:rPr lang="es"/>
+              <a:t> = T</a:t>
+            </a:r>
+            <a:r>
+              <a:rPr lang="es"/>
+              <a:t>oy poodle</a:t>
+            </a:r>
+            <a:endParaRPr/>
+          </a:p>
+        </p:txBody>
+      </p:sp>
+      <p:sp>
+        <p:nvSpPr>
+          <p:cNvPr id="554" name="Google Shape;554;p86"/>
+          <p:cNvSpPr txBox="1"/>
+          <p:nvPr>
+            <p:ph idx="1" type="body"/>
+          </p:nvPr>
+        </p:nvSpPr>
+        <p:spPr>
+          <a:xfrm>
+            <a:off x="311700" y="1152475"/>
+            <a:ext cx="3999900" cy="572700"/>
+          </a:xfrm>
+          <a:prstGeom prst="rect">
+            <a:avLst/>
+          </a:prstGeom>
+        </p:spPr>
+        <p:txBody>
+          <a:bodyPr anchorCtr="0" anchor="t" bIns="91425" lIns="91425" spcFirstLastPara="1" rIns="91425" wrap="square" tIns="91425">
+            <a:noAutofit/>
+          </a:bodyPr>
+          <a:lstStyle/>
+          <a:p>
+            <a:pPr indent="0" lvl="0" marL="0" rtl="0" algn="l">
+              <a:spcBef>
+                <a:spcPts val="0"/>
+              </a:spcBef>
+              <a:spcAft>
+                <a:spcPts val="0"/>
+              </a:spcAft>
+              <a:buNone/>
+            </a:pPr>
+            <a:r>
+              <a:rPr b="1" lang="es" sz="2100"/>
+              <a:t>Miniature poodle</a:t>
+            </a:r>
+            <a:endParaRPr b="1" sz="2100"/>
+          </a:p>
+          <a:p>
+            <a:pPr indent="0" lvl="0" marL="457200" rtl="0" algn="l">
+              <a:spcBef>
+                <a:spcPts val="1600"/>
+              </a:spcBef>
+              <a:spcAft>
+                <a:spcPts val="1600"/>
+              </a:spcAft>
+              <a:buNone/>
+            </a:pPr>
+            <a:r>
+              <a:t/>
+            </a:r>
+            <a:endParaRPr sz="1600"/>
+          </a:p>
+        </p:txBody>
+      </p:sp>
+      <p:sp>
+        <p:nvSpPr>
+          <p:cNvPr id="555" name="Google Shape;555;p86"/>
+          <p:cNvSpPr txBox="1"/>
+          <p:nvPr>
+            <p:ph idx="2" type="body"/>
+          </p:nvPr>
+        </p:nvSpPr>
+        <p:spPr>
+          <a:xfrm>
+            <a:off x="4832400" y="1152475"/>
+            <a:ext cx="3999900" cy="572700"/>
+          </a:xfrm>
+          <a:prstGeom prst="rect">
+            <a:avLst/>
+          </a:prstGeom>
+        </p:spPr>
+        <p:txBody>
+          <a:bodyPr anchorCtr="0" anchor="t" bIns="91425" lIns="91425" spcFirstLastPara="1" rIns="91425" wrap="square" tIns="91425">
+            <a:noAutofit/>
+          </a:bodyPr>
+          <a:lstStyle/>
+          <a:p>
+            <a:pPr indent="0" lvl="0" marL="0" rtl="0" algn="l">
+              <a:spcBef>
+                <a:spcPts val="0"/>
+              </a:spcBef>
+              <a:spcAft>
+                <a:spcPts val="1600"/>
+              </a:spcAft>
+              <a:buNone/>
+            </a:pPr>
+            <a:r>
+              <a:rPr b="1" lang="es" sz="2100"/>
+              <a:t>Toy poodle</a:t>
+            </a:r>
+            <a:endParaRPr sz="1600"/>
+          </a:p>
+        </p:txBody>
+      </p:sp>
+      <p:pic>
+        <p:nvPicPr>
+          <p:cNvPr id="556" name="Google Shape;556;p86"/>
+          <p:cNvPicPr preferRelativeResize="0"/>
+          <p:nvPr/>
+        </p:nvPicPr>
+        <p:blipFill rotWithShape="1">
+          <a:blip r:embed="rId3">
+            <a:alphaModFix/>
+          </a:blip>
+          <a:srcRect b="4770" l="0" r="0" t="0"/>
+          <a:stretch/>
+        </p:blipFill>
+        <p:spPr>
+          <a:xfrm>
+            <a:off x="235975" y="1725175"/>
+            <a:ext cx="4151350" cy="2964950"/>
+          </a:xfrm>
+          <a:prstGeom prst="rect">
+            <a:avLst/>
+          </a:prstGeom>
+          <a:noFill/>
+          <a:ln>
+            <a:noFill/>
+          </a:ln>
+        </p:spPr>
+      </p:pic>
+      <p:pic>
+        <p:nvPicPr>
+          <p:cNvPr id="557" name="Google Shape;557;p86"/>
+          <p:cNvPicPr preferRelativeResize="0"/>
+          <p:nvPr/>
+        </p:nvPicPr>
+        <p:blipFill rotWithShape="1">
+          <a:blip r:embed="rId4">
+            <a:alphaModFix/>
+          </a:blip>
+          <a:srcRect b="4770" l="0" r="1826" t="0"/>
+          <a:stretch/>
+        </p:blipFill>
+        <p:spPr>
+          <a:xfrm>
+            <a:off x="4832400" y="1725175"/>
+            <a:ext cx="4075625" cy="2964950"/>
+          </a:xfrm>
+          <a:prstGeom prst="rect">
+            <a:avLst/>
+          </a:prstGeom>
+          <a:noFill/>
+          <a:ln>
+            <a:noFill/>
+          </a:ln>
+        </p:spPr>
+      </p:pic>
+    </p:spTree>
+  </p:cSld>
+  <p:clrMapOvr>
+    <a:masterClrMapping/>
+  </p:clrMapOvr>
+</p:sld>
+</file>
+
+<file path=ppt/slides/slide75.xml><?xml version="1.0" encoding="utf-8"?>
+<p:sld xmlns:a="http://schemas.openxmlformats.org/drawingml/2006/main" xmlns:r="http://schemas.openxmlformats.org/officeDocument/2006/relationships" xmlns:mc="http://schemas.openxmlformats.org/markup-compatibility/2006" xmlns:mv="urn:schemas-microsoft-com:mac:vml" xmlns:p="http://schemas.openxmlformats.org/presentationml/2006/main" xmlns:c="http://schemas.openxmlformats.org/drawingml/2006/chart" xmlns:dgm="http://schemas.openxmlformats.org/drawingml/2006/diagram" xmlns:o="urn:schemas-microsoft-com:office:office" xmlns:v="urn:schemas-microsoft-com:vml" xmlns:pvml="urn:schemas-microsoft-com:office:powerpoint" xmlns:com="http://schemas.openxmlformats.org/drawingml/2006/compatibility" xmlns:p14="http://schemas.microsoft.com/office/powerpoint/2010/main" xmlns:p15="http://schemas.microsoft.com/office/powerpoint/2012/main">
+  <p:cSld>
+    <p:spTree>
+      <p:nvGrpSpPr>
+        <p:cNvPr id="561" name="Shape 561"/>
+        <p:cNvGrpSpPr/>
+        <p:nvPr/>
+      </p:nvGrpSpPr>
+      <p:grpSpPr>
+        <a:xfrm>
+          <a:off x="0" y="0"/>
+          <a:ext cx="0" cy="0"/>
+          <a:chOff x="0" y="0"/>
+          <a:chExt cx="0" cy="0"/>
+        </a:xfrm>
+      </p:grpSpPr>
+      <p:sp>
+        <p:nvSpPr>
+          <p:cNvPr id="562" name="Google Shape;562;p87"/>
+          <p:cNvSpPr txBox="1"/>
+          <p:nvPr>
+            <p:ph type="title"/>
+          </p:nvPr>
+        </p:nvSpPr>
+        <p:spPr>
+          <a:xfrm>
+            <a:off x="311700" y="445025"/>
+            <a:ext cx="8520600" cy="572700"/>
+          </a:xfrm>
+          <a:prstGeom prst="rect">
+            <a:avLst/>
+          </a:prstGeom>
+        </p:spPr>
+        <p:txBody>
+          <a:bodyPr anchorCtr="0" anchor="t" bIns="91425" lIns="91425" spcFirstLastPara="1" rIns="91425" wrap="square" tIns="91425">
+            <a:noAutofit/>
+          </a:bodyPr>
+          <a:lstStyle/>
+          <a:p>
+            <a:pPr indent="0" lvl="0" marL="0" rtl="0" algn="l">
+              <a:spcBef>
+                <a:spcPts val="0"/>
+              </a:spcBef>
+              <a:spcAft>
+                <a:spcPts val="0"/>
+              </a:spcAft>
+              <a:buNone/>
+            </a:pPr>
+            <a:r>
+              <a:rPr lang="es"/>
+              <a:t>Ejemplo: Miniature poodle = Toy poodle</a:t>
+            </a:r>
+            <a:endParaRPr/>
+          </a:p>
+        </p:txBody>
+      </p:sp>
+      <p:sp>
+        <p:nvSpPr>
+          <p:cNvPr id="563" name="Google Shape;563;p87"/>
+          <p:cNvSpPr txBox="1"/>
+          <p:nvPr>
+            <p:ph idx="1" type="body"/>
+          </p:nvPr>
+        </p:nvSpPr>
+        <p:spPr>
+          <a:xfrm>
+            <a:off x="311700" y="1152475"/>
+            <a:ext cx="3999900" cy="572700"/>
+          </a:xfrm>
+          <a:prstGeom prst="rect">
+            <a:avLst/>
+          </a:prstGeom>
+        </p:spPr>
+        <p:txBody>
+          <a:bodyPr anchorCtr="0" anchor="t" bIns="91425" lIns="91425" spcFirstLastPara="1" rIns="91425" wrap="square" tIns="91425">
+            <a:noAutofit/>
+          </a:bodyPr>
+          <a:lstStyle/>
+          <a:p>
+            <a:pPr indent="0" lvl="0" marL="0" rtl="0" algn="l">
+              <a:spcBef>
+                <a:spcPts val="0"/>
+              </a:spcBef>
+              <a:spcAft>
+                <a:spcPts val="0"/>
+              </a:spcAft>
+              <a:buNone/>
+            </a:pPr>
+            <a:r>
+              <a:rPr b="1" lang="es" sz="2100"/>
+              <a:t>Miniature poodle</a:t>
+            </a:r>
+            <a:endParaRPr b="1" sz="2100"/>
+          </a:p>
+          <a:p>
+            <a:pPr indent="0" lvl="0" marL="457200" rtl="0" algn="l">
+              <a:spcBef>
+                <a:spcPts val="1600"/>
+              </a:spcBef>
+              <a:spcAft>
+                <a:spcPts val="1600"/>
+              </a:spcAft>
+              <a:buNone/>
+            </a:pPr>
+            <a:r>
+              <a:t/>
+            </a:r>
+            <a:endParaRPr sz="1600"/>
+          </a:p>
+        </p:txBody>
+      </p:sp>
+      <p:sp>
+        <p:nvSpPr>
+          <p:cNvPr id="564" name="Google Shape;564;p87"/>
+          <p:cNvSpPr txBox="1"/>
+          <p:nvPr>
+            <p:ph idx="2" type="body"/>
+          </p:nvPr>
+        </p:nvSpPr>
+        <p:spPr>
+          <a:xfrm>
+            <a:off x="4832400" y="1152475"/>
+            <a:ext cx="3999900" cy="572700"/>
+          </a:xfrm>
+          <a:prstGeom prst="rect">
+            <a:avLst/>
+          </a:prstGeom>
+        </p:spPr>
+        <p:txBody>
+          <a:bodyPr anchorCtr="0" anchor="t" bIns="91425" lIns="91425" spcFirstLastPara="1" rIns="91425" wrap="square" tIns="91425">
+            <a:noAutofit/>
+          </a:bodyPr>
+          <a:lstStyle/>
+          <a:p>
+            <a:pPr indent="0" lvl="0" marL="0" rtl="0" algn="l">
+              <a:spcBef>
+                <a:spcPts val="0"/>
+              </a:spcBef>
+              <a:spcAft>
+                <a:spcPts val="1600"/>
+              </a:spcAft>
+              <a:buNone/>
+            </a:pPr>
+            <a:r>
+              <a:rPr b="1" lang="es" sz="2100"/>
+              <a:t>Toy poodle</a:t>
+            </a:r>
+            <a:endParaRPr sz="1600"/>
+          </a:p>
+        </p:txBody>
+      </p:sp>
+      <p:pic>
+        <p:nvPicPr>
+          <p:cNvPr id="565" name="Google Shape;565;p87"/>
+          <p:cNvPicPr preferRelativeResize="0"/>
+          <p:nvPr/>
+        </p:nvPicPr>
+        <p:blipFill rotWithShape="1">
+          <a:blip r:embed="rId3">
+            <a:alphaModFix/>
+          </a:blip>
+          <a:srcRect b="4770" l="0" r="0" t="0"/>
+          <a:stretch/>
+        </p:blipFill>
+        <p:spPr>
+          <a:xfrm>
+            <a:off x="311700" y="1725175"/>
+            <a:ext cx="3113525" cy="2964950"/>
+          </a:xfrm>
+          <a:prstGeom prst="rect">
+            <a:avLst/>
+          </a:prstGeom>
+          <a:noFill/>
+          <a:ln>
+            <a:noFill/>
+          </a:ln>
+        </p:spPr>
+      </p:pic>
+      <p:pic>
+        <p:nvPicPr>
+          <p:cNvPr id="566" name="Google Shape;566;p87"/>
+          <p:cNvPicPr preferRelativeResize="0"/>
+          <p:nvPr/>
+        </p:nvPicPr>
+        <p:blipFill rotWithShape="1">
+          <a:blip r:embed="rId4">
+            <a:alphaModFix/>
+          </a:blip>
+          <a:srcRect b="4770" l="0" r="0" t="0"/>
+          <a:stretch/>
+        </p:blipFill>
+        <p:spPr>
+          <a:xfrm>
+            <a:off x="4247050" y="1725175"/>
+            <a:ext cx="4660975" cy="2964950"/>
+          </a:xfrm>
+          <a:prstGeom prst="rect">
+            <a:avLst/>
+          </a:prstGeom>
+          <a:noFill/>
+          <a:ln>
+            <a:noFill/>
+          </a:ln>
+        </p:spPr>
+      </p:pic>
+    </p:spTree>
+  </p:cSld>
+  <p:clrMapOvr>
+    <a:masterClrMapping/>
+  </p:clrMapOvr>
+</p:sld>
+</file>
+
+<file path=ppt/slides/slide76.xml><?xml version="1.0" encoding="utf-8"?>
+<p:sld xmlns:a="http://schemas.openxmlformats.org/drawingml/2006/main" xmlns:r="http://schemas.openxmlformats.org/officeDocument/2006/relationships" xmlns:mc="http://schemas.openxmlformats.org/markup-compatibility/2006" xmlns:mv="urn:schemas-microsoft-com:mac:vml" xmlns:p="http://schemas.openxmlformats.org/presentationml/2006/main" xmlns:c="http://schemas.openxmlformats.org/drawingml/2006/chart" xmlns:dgm="http://schemas.openxmlformats.org/drawingml/2006/diagram" xmlns:o="urn:schemas-microsoft-com:office:office" xmlns:v="urn:schemas-microsoft-com:vml" xmlns:pvml="urn:schemas-microsoft-com:office:powerpoint" xmlns:com="http://schemas.openxmlformats.org/drawingml/2006/compatibility" xmlns:p14="http://schemas.microsoft.com/office/powerpoint/2010/main" xmlns:p15="http://schemas.microsoft.com/office/powerpoint/2012/main">
+  <p:cSld>
+    <p:spTree>
+      <p:nvGrpSpPr>
+        <p:cNvPr id="570" name="Shape 570"/>
+        <p:cNvGrpSpPr/>
+        <p:nvPr/>
+      </p:nvGrpSpPr>
+      <p:grpSpPr>
+        <a:xfrm>
+          <a:off x="0" y="0"/>
+          <a:ext cx="0" cy="0"/>
+          <a:chOff x="0" y="0"/>
+          <a:chExt cx="0" cy="0"/>
+        </a:xfrm>
+      </p:grpSpPr>
+      <p:sp>
+        <p:nvSpPr>
+          <p:cNvPr id="571" name="Google Shape;571;p88"/>
+          <p:cNvSpPr txBox="1"/>
+          <p:nvPr>
+            <p:ph type="title"/>
+          </p:nvPr>
+        </p:nvSpPr>
+        <p:spPr>
+          <a:xfrm>
+            <a:off x="311700" y="445025"/>
+            <a:ext cx="8520600" cy="572700"/>
+          </a:xfrm>
+          <a:prstGeom prst="rect">
+            <a:avLst/>
+          </a:prstGeom>
+        </p:spPr>
+        <p:txBody>
+          <a:bodyPr anchorCtr="0" anchor="t" bIns="91425" lIns="91425" spcFirstLastPara="1" rIns="91425" wrap="square" tIns="91425">
+            <a:noAutofit/>
+          </a:bodyPr>
+          <a:lstStyle/>
+          <a:p>
+            <a:pPr indent="0" lvl="0" marL="0" rtl="0" algn="l">
+              <a:spcBef>
+                <a:spcPts val="0"/>
+              </a:spcBef>
+              <a:spcAft>
+                <a:spcPts val="0"/>
+              </a:spcAft>
+              <a:buNone/>
+            </a:pPr>
+            <a:r>
+              <a:rPr lang="es"/>
+              <a:t>Ejemplo: W</a:t>
+            </a:r>
+            <a:r>
+              <a:rPr lang="es"/>
+              <a:t>ire-haired fox terrier</a:t>
+            </a:r>
+            <a:r>
+              <a:rPr lang="es"/>
+              <a:t> = </a:t>
+            </a:r>
+            <a:r>
+              <a:rPr lang="es"/>
+              <a:t>Irish terrier</a:t>
+            </a:r>
+            <a:endParaRPr/>
+          </a:p>
+        </p:txBody>
+      </p:sp>
+      <p:sp>
+        <p:nvSpPr>
+          <p:cNvPr id="572" name="Google Shape;572;p88"/>
+          <p:cNvSpPr txBox="1"/>
+          <p:nvPr>
+            <p:ph idx="1" type="body"/>
+          </p:nvPr>
+        </p:nvSpPr>
+        <p:spPr>
+          <a:xfrm>
+            <a:off x="311700" y="1152475"/>
+            <a:ext cx="3999900" cy="572700"/>
+          </a:xfrm>
+          <a:prstGeom prst="rect">
+            <a:avLst/>
+          </a:prstGeom>
+        </p:spPr>
+        <p:txBody>
+          <a:bodyPr anchorCtr="0" anchor="t" bIns="91425" lIns="91425" spcFirstLastPara="1" rIns="91425" wrap="square" tIns="91425">
+            <a:noAutofit/>
+          </a:bodyPr>
+          <a:lstStyle/>
+          <a:p>
+            <a:pPr indent="0" lvl="0" marL="0" rtl="0" algn="l">
+              <a:spcBef>
+                <a:spcPts val="0"/>
+              </a:spcBef>
+              <a:spcAft>
+                <a:spcPts val="0"/>
+              </a:spcAft>
+              <a:buNone/>
+            </a:pPr>
+            <a:r>
+              <a:rPr b="1" lang="es" sz="2100"/>
+              <a:t>Wire-haired fox terrier</a:t>
+            </a:r>
+            <a:endParaRPr b="1" sz="2100"/>
+          </a:p>
+          <a:p>
+            <a:pPr indent="0" lvl="0" marL="457200" rtl="0" algn="l">
+              <a:spcBef>
+                <a:spcPts val="1600"/>
+              </a:spcBef>
+              <a:spcAft>
+                <a:spcPts val="1600"/>
+              </a:spcAft>
+              <a:buNone/>
+            </a:pPr>
+            <a:r>
+              <a:t/>
+            </a:r>
+            <a:endParaRPr sz="1600"/>
+          </a:p>
+        </p:txBody>
+      </p:sp>
+      <p:sp>
+        <p:nvSpPr>
+          <p:cNvPr id="573" name="Google Shape;573;p88"/>
+          <p:cNvSpPr txBox="1"/>
+          <p:nvPr>
+            <p:ph idx="2" type="body"/>
+          </p:nvPr>
+        </p:nvSpPr>
+        <p:spPr>
+          <a:xfrm>
+            <a:off x="5642975" y="1152475"/>
+            <a:ext cx="2501700" cy="572700"/>
+          </a:xfrm>
+          <a:prstGeom prst="rect">
+            <a:avLst/>
+          </a:prstGeom>
+        </p:spPr>
+        <p:txBody>
+          <a:bodyPr anchorCtr="0" anchor="t" bIns="91425" lIns="91425" spcFirstLastPara="1" rIns="91425" wrap="square" tIns="91425">
+            <a:noAutofit/>
+          </a:bodyPr>
+          <a:lstStyle/>
+          <a:p>
+            <a:pPr indent="0" lvl="0" marL="0" rtl="0" algn="l">
+              <a:spcBef>
+                <a:spcPts val="0"/>
+              </a:spcBef>
+              <a:spcAft>
+                <a:spcPts val="1600"/>
+              </a:spcAft>
+              <a:buNone/>
+            </a:pPr>
+            <a:r>
+              <a:rPr b="1" lang="es" sz="2100"/>
+              <a:t>Irish terrier</a:t>
+            </a:r>
+            <a:endParaRPr sz="1600"/>
+          </a:p>
+        </p:txBody>
+      </p:sp>
+      <p:pic>
+        <p:nvPicPr>
+          <p:cNvPr id="574" name="Google Shape;574;p88"/>
+          <p:cNvPicPr preferRelativeResize="0"/>
+          <p:nvPr/>
+        </p:nvPicPr>
+        <p:blipFill>
+          <a:blip r:embed="rId3">
+            <a:alphaModFix/>
+          </a:blip>
+          <a:stretch>
+            <a:fillRect/>
+          </a:stretch>
+        </p:blipFill>
+        <p:spPr>
+          <a:xfrm>
+            <a:off x="5642985" y="1576600"/>
+            <a:ext cx="2378733" cy="3113525"/>
+          </a:xfrm>
+          <a:prstGeom prst="rect">
+            <a:avLst/>
+          </a:prstGeom>
+          <a:noFill/>
+          <a:ln>
+            <a:noFill/>
+          </a:ln>
+        </p:spPr>
+      </p:pic>
+      <p:pic>
+        <p:nvPicPr>
+          <p:cNvPr id="575" name="Google Shape;575;p88"/>
+          <p:cNvPicPr preferRelativeResize="0"/>
+          <p:nvPr/>
+        </p:nvPicPr>
+        <p:blipFill>
+          <a:blip r:embed="rId4">
+            <a:alphaModFix/>
+          </a:blip>
+          <a:stretch>
+            <a:fillRect/>
+          </a:stretch>
+        </p:blipFill>
+        <p:spPr>
+          <a:xfrm>
+            <a:off x="346038" y="1576600"/>
+            <a:ext cx="3931219" cy="3113525"/>
+          </a:xfrm>
+          <a:prstGeom prst="rect">
+            <a:avLst/>
+          </a:prstGeom>
+          <a:noFill/>
+          <a:ln>
+            <a:noFill/>
+          </a:ln>
+        </p:spPr>
+      </p:pic>
+    </p:spTree>
+  </p:cSld>
+  <p:clrMapOvr>
+    <a:masterClrMapping/>
+  </p:clrMapOvr>
+</p:sld>
+</file>
+
+<file path=ppt/slides/slide77.xml><?xml version="1.0" encoding="utf-8"?>
+<p:sld xmlns:a="http://schemas.openxmlformats.org/drawingml/2006/main" xmlns:r="http://schemas.openxmlformats.org/officeDocument/2006/relationships" xmlns:mc="http://schemas.openxmlformats.org/markup-compatibility/2006" xmlns:mv="urn:schemas-microsoft-com:mac:vml" xmlns:p="http://schemas.openxmlformats.org/presentationml/2006/main" xmlns:c="http://schemas.openxmlformats.org/drawingml/2006/chart" xmlns:dgm="http://schemas.openxmlformats.org/drawingml/2006/diagram" xmlns:o="urn:schemas-microsoft-com:office:office" xmlns:v="urn:schemas-microsoft-com:vml" xmlns:pvml="urn:schemas-microsoft-com:office:powerpoint" xmlns:com="http://schemas.openxmlformats.org/drawingml/2006/compatibility" xmlns:p14="http://schemas.microsoft.com/office/powerpoint/2010/main" xmlns:p15="http://schemas.microsoft.com/office/powerpoint/2012/main">
+  <p:cSld>
+    <p:spTree>
+      <p:nvGrpSpPr>
+        <p:cNvPr id="579" name="Shape 579"/>
+        <p:cNvGrpSpPr/>
+        <p:nvPr/>
+      </p:nvGrpSpPr>
+      <p:grpSpPr>
+        <a:xfrm>
+          <a:off x="0" y="0"/>
+          <a:ext cx="0" cy="0"/>
+          <a:chOff x="0" y="0"/>
+          <a:chExt cx="0" cy="0"/>
+        </a:xfrm>
+      </p:grpSpPr>
+      <p:sp>
+        <p:nvSpPr>
+          <p:cNvPr id="580" name="Google Shape;580;p89"/>
+          <p:cNvSpPr txBox="1"/>
+          <p:nvPr>
+            <p:ph type="title"/>
+          </p:nvPr>
+        </p:nvSpPr>
+        <p:spPr>
+          <a:xfrm>
+            <a:off x="311700" y="445025"/>
+            <a:ext cx="8520600" cy="572700"/>
+          </a:xfrm>
+          <a:prstGeom prst="rect">
+            <a:avLst/>
+          </a:prstGeom>
+        </p:spPr>
+        <p:txBody>
+          <a:bodyPr anchorCtr="0" anchor="t" bIns="91425" lIns="91425" spcFirstLastPara="1" rIns="91425" wrap="square" tIns="91425">
+            <a:noAutofit/>
+          </a:bodyPr>
+          <a:lstStyle/>
+          <a:p>
+            <a:pPr indent="0" lvl="0" marL="0" rtl="0" algn="l">
+              <a:spcBef>
+                <a:spcPts val="0"/>
+              </a:spcBef>
+              <a:spcAft>
+                <a:spcPts val="0"/>
+              </a:spcAft>
+              <a:buNone/>
+            </a:pPr>
+            <a:r>
+              <a:rPr lang="es"/>
+              <a:t>Ejemplo: Wire-haired fox terrier = Irish terrier</a:t>
+            </a:r>
+            <a:endParaRPr/>
+          </a:p>
+        </p:txBody>
+      </p:sp>
+      <p:sp>
+        <p:nvSpPr>
+          <p:cNvPr id="581" name="Google Shape;581;p89"/>
+          <p:cNvSpPr txBox="1"/>
+          <p:nvPr>
+            <p:ph idx="1" type="body"/>
+          </p:nvPr>
+        </p:nvSpPr>
+        <p:spPr>
+          <a:xfrm>
+            <a:off x="311700" y="1152475"/>
+            <a:ext cx="3999900" cy="572700"/>
+          </a:xfrm>
+          <a:prstGeom prst="rect">
+            <a:avLst/>
+          </a:prstGeom>
+        </p:spPr>
+        <p:txBody>
+          <a:bodyPr anchorCtr="0" anchor="t" bIns="91425" lIns="91425" spcFirstLastPara="1" rIns="91425" wrap="square" tIns="91425">
+            <a:noAutofit/>
+          </a:bodyPr>
+          <a:lstStyle/>
+          <a:p>
+            <a:pPr indent="0" lvl="0" marL="0" rtl="0" algn="l">
+              <a:spcBef>
+                <a:spcPts val="0"/>
+              </a:spcBef>
+              <a:spcAft>
+                <a:spcPts val="0"/>
+              </a:spcAft>
+              <a:buNone/>
+            </a:pPr>
+            <a:r>
+              <a:rPr b="1" lang="es" sz="2100"/>
+              <a:t>Wire-haired fox terrier</a:t>
+            </a:r>
+            <a:endParaRPr b="1" sz="2100"/>
+          </a:p>
+          <a:p>
+            <a:pPr indent="0" lvl="0" marL="457200" rtl="0" algn="l">
+              <a:spcBef>
+                <a:spcPts val="1600"/>
+              </a:spcBef>
+              <a:spcAft>
+                <a:spcPts val="1600"/>
+              </a:spcAft>
+              <a:buNone/>
+            </a:pPr>
+            <a:r>
+              <a:t/>
+            </a:r>
+            <a:endParaRPr sz="1600"/>
+          </a:p>
+        </p:txBody>
+      </p:sp>
+      <p:sp>
+        <p:nvSpPr>
+          <p:cNvPr id="582" name="Google Shape;582;p89"/>
+          <p:cNvSpPr txBox="1"/>
+          <p:nvPr>
+            <p:ph idx="2" type="body"/>
+          </p:nvPr>
+        </p:nvSpPr>
+        <p:spPr>
+          <a:xfrm>
+            <a:off x="5642975" y="1152475"/>
+            <a:ext cx="2501700" cy="572700"/>
+          </a:xfrm>
+          <a:prstGeom prst="rect">
+            <a:avLst/>
+          </a:prstGeom>
+        </p:spPr>
+        <p:txBody>
+          <a:bodyPr anchorCtr="0" anchor="t" bIns="91425" lIns="91425" spcFirstLastPara="1" rIns="91425" wrap="square" tIns="91425">
+            <a:noAutofit/>
+          </a:bodyPr>
+          <a:lstStyle/>
+          <a:p>
+            <a:pPr indent="0" lvl="0" marL="0" rtl="0" algn="l">
+              <a:spcBef>
+                <a:spcPts val="0"/>
+              </a:spcBef>
+              <a:spcAft>
+                <a:spcPts val="1600"/>
+              </a:spcAft>
+              <a:buNone/>
+            </a:pPr>
+            <a:r>
+              <a:rPr b="1" lang="es" sz="2100"/>
+              <a:t>Irish terrier</a:t>
+            </a:r>
+            <a:endParaRPr sz="1600"/>
+          </a:p>
+        </p:txBody>
+      </p:sp>
+      <p:pic>
+        <p:nvPicPr>
+          <p:cNvPr id="583" name="Google Shape;583;p89"/>
+          <p:cNvPicPr preferRelativeResize="0"/>
+          <p:nvPr/>
+        </p:nvPicPr>
+        <p:blipFill>
+          <a:blip r:embed="rId3">
+            <a:alphaModFix/>
+          </a:blip>
+          <a:stretch>
+            <a:fillRect/>
+          </a:stretch>
+        </p:blipFill>
+        <p:spPr>
+          <a:xfrm>
+            <a:off x="5219025" y="1576600"/>
+            <a:ext cx="3689011" cy="3113525"/>
+          </a:xfrm>
+          <a:prstGeom prst="rect">
+            <a:avLst/>
+          </a:prstGeom>
+          <a:noFill/>
+          <a:ln>
+            <a:noFill/>
+          </a:ln>
+        </p:spPr>
+      </p:pic>
+      <p:pic>
+        <p:nvPicPr>
+          <p:cNvPr id="584" name="Google Shape;584;p89"/>
+          <p:cNvPicPr preferRelativeResize="0"/>
+          <p:nvPr/>
+        </p:nvPicPr>
+        <p:blipFill>
+          <a:blip r:embed="rId4">
+            <a:alphaModFix/>
+          </a:blip>
+          <a:stretch>
+            <a:fillRect/>
+          </a:stretch>
+        </p:blipFill>
+        <p:spPr>
+          <a:xfrm>
+            <a:off x="1163600" y="1576600"/>
+            <a:ext cx="2296110" cy="3113525"/>
+          </a:xfrm>
+          <a:prstGeom prst="rect">
+            <a:avLst/>
+          </a:prstGeom>
+          <a:noFill/>
+          <a:ln>
+            <a:noFill/>
+          </a:ln>
+        </p:spPr>
+      </p:pic>
+    </p:spTree>
+  </p:cSld>
+  <p:clrMapOvr>
+    <a:masterClrMapping/>
+  </p:clrMapOvr>
+</p:sld>
+</file>
+
+<file path=ppt/slides/slide78.xml><?xml version="1.0" encoding="utf-8"?>
+<p:sld xmlns:a="http://schemas.openxmlformats.org/drawingml/2006/main" xmlns:r="http://schemas.openxmlformats.org/officeDocument/2006/relationships" xmlns:mc="http://schemas.openxmlformats.org/markup-compatibility/2006" xmlns:mv="urn:schemas-microsoft-com:mac:vml" xmlns:p="http://schemas.openxmlformats.org/presentationml/2006/main" xmlns:c="http://schemas.openxmlformats.org/drawingml/2006/chart" xmlns:dgm="http://schemas.openxmlformats.org/drawingml/2006/diagram" xmlns:o="urn:schemas-microsoft-com:office:office" xmlns:v="urn:schemas-microsoft-com:vml" xmlns:pvml="urn:schemas-microsoft-com:office:powerpoint" xmlns:com="http://schemas.openxmlformats.org/drawingml/2006/compatibility" xmlns:p14="http://schemas.microsoft.com/office/powerpoint/2010/main" xmlns:p15="http://schemas.microsoft.com/office/powerpoint/2012/main">
+  <p:cSld>
+    <p:spTree>
+      <p:nvGrpSpPr>
+        <p:cNvPr id="588" name="Shape 588"/>
+        <p:cNvGrpSpPr/>
+        <p:nvPr/>
+      </p:nvGrpSpPr>
+      <p:grpSpPr>
+        <a:xfrm>
+          <a:off x="0" y="0"/>
+          <a:ext cx="0" cy="0"/>
+          <a:chOff x="0" y="0"/>
+          <a:chExt cx="0" cy="0"/>
+        </a:xfrm>
+      </p:grpSpPr>
+      <p:sp>
+        <p:nvSpPr>
+          <p:cNvPr id="589" name="Google Shape;589;p90"/>
+          <p:cNvSpPr txBox="1"/>
+          <p:nvPr>
+            <p:ph type="title"/>
+          </p:nvPr>
+        </p:nvSpPr>
+        <p:spPr>
+          <a:xfrm>
+            <a:off x="1122750" y="2028300"/>
+            <a:ext cx="6898500" cy="1086900"/>
+          </a:xfrm>
+          <a:prstGeom prst="rect">
+            <a:avLst/>
+          </a:prstGeom>
+        </p:spPr>
+        <p:txBody>
+          <a:bodyPr anchorCtr="0" anchor="ctr" bIns="91425" lIns="91425" spcFirstLastPara="1" rIns="91425" wrap="square" tIns="91425">
+            <a:noAutofit/>
+          </a:bodyPr>
+          <a:lstStyle/>
+          <a:p>
+            <a:pPr indent="0" lvl="0" marL="0" rtl="0" algn="ctr">
+              <a:spcBef>
+                <a:spcPts val="0"/>
+              </a:spcBef>
+              <a:spcAft>
+                <a:spcPts val="0"/>
+              </a:spcAft>
+              <a:buNone/>
+            </a:pPr>
+            <a:r>
+              <a:rPr b="1" lang="es" sz="4200"/>
+              <a:t>¿Preguntas?</a:t>
+            </a:r>
+            <a:endParaRPr sz="3000"/>
+          </a:p>
+        </p:txBody>
+      </p:sp>
+    </p:spTree>
+  </p:cSld>
+  <p:clrMapOvr>
+    <a:masterClrMapping/>
+  </p:clrMapOvr>
+</p:sld>
+</file>
+
+<file path=ppt/slides/slide79.xml><?xml version="1.0" encoding="utf-8"?>
+<p:sld xmlns:a="http://schemas.openxmlformats.org/drawingml/2006/main" xmlns:r="http://schemas.openxmlformats.org/officeDocument/2006/relationships" xmlns:mc="http://schemas.openxmlformats.org/markup-compatibility/2006" xmlns:mv="urn:schemas-microsoft-com:mac:vml" xmlns:p="http://schemas.openxmlformats.org/presentationml/2006/main" xmlns:c="http://schemas.openxmlformats.org/drawingml/2006/chart" xmlns:dgm="http://schemas.openxmlformats.org/drawingml/2006/diagram" xmlns:o="urn:schemas-microsoft-com:office:office" xmlns:v="urn:schemas-microsoft-com:vml" xmlns:pvml="urn:schemas-microsoft-com:office:powerpoint" xmlns:com="http://schemas.openxmlformats.org/drawingml/2006/compatibility" xmlns:p14="http://schemas.microsoft.com/office/powerpoint/2010/main" xmlns:p15="http://schemas.microsoft.com/office/powerpoint/2012/main">
+  <p:cSld>
+    <p:spTree>
+      <p:nvGrpSpPr>
+        <p:cNvPr id="593" name="Shape 593"/>
+        <p:cNvGrpSpPr/>
+        <p:nvPr/>
+      </p:nvGrpSpPr>
+      <p:grpSpPr>
+        <a:xfrm>
+          <a:off x="0" y="0"/>
+          <a:ext cx="0" cy="0"/>
+          <a:chOff x="0" y="0"/>
+          <a:chExt cx="0" cy="0"/>
+        </a:xfrm>
+      </p:grpSpPr>
+      <p:sp>
+        <p:nvSpPr>
+          <p:cNvPr id="594" name="Google Shape;594;p91"/>
+          <p:cNvSpPr txBox="1"/>
+          <p:nvPr>
+            <p:ph type="title"/>
+          </p:nvPr>
+        </p:nvSpPr>
+        <p:spPr>
+          <a:xfrm>
+            <a:off x="1122750" y="2028300"/>
+            <a:ext cx="6898500" cy="1086900"/>
+          </a:xfrm>
+          <a:prstGeom prst="rect">
+            <a:avLst/>
+          </a:prstGeom>
+        </p:spPr>
+        <p:txBody>
+          <a:bodyPr anchorCtr="0" anchor="ctr" bIns="91425" lIns="91425" spcFirstLastPara="1" rIns="91425" wrap="square" tIns="91425">
+            <a:noAutofit/>
+          </a:bodyPr>
+          <a:lstStyle/>
+          <a:p>
+            <a:pPr indent="0" lvl="0" marL="0" rtl="0" algn="ctr">
+              <a:spcBef>
+                <a:spcPts val="0"/>
+              </a:spcBef>
+              <a:spcAft>
+                <a:spcPts val="0"/>
+              </a:spcAft>
+              <a:buNone/>
+            </a:pPr>
+            <a:r>
+              <a:rPr b="1" lang="es" sz="4200"/>
+              <a:t>Muchas gracias.</a:t>
+            </a:r>
+            <a:endParaRPr sz="3000"/>
+          </a:p>
+        </p:txBody>
+      </p:sp>
     </p:spTree>
   </p:cSld>
   <p:clrMapOvr>
@@ -45318,7 +47740,7 @@
             <a:tbl>
               <a:tblPr>
                 <a:noFill/>
-                <a:tableStyleId>{57E1212D-4DE4-44F8-8E6D-09636DD7F15E}</a:tableStyleId>
+                <a:tableStyleId>{3C48B5B4-BF9C-4512-80BF-52B5D6343D39}</a:tableStyleId>
               </a:tblPr>
               <a:tblGrid>
                 <a:gridCol w="1749150"/>
@@ -46596,7 +49018,7 @@
             <a:tbl>
               <a:tblPr>
                 <a:noFill/>
-                <a:tableStyleId>{57E1212D-4DE4-44F8-8E6D-09636DD7F15E}</a:tableStyleId>
+                <a:tableStyleId>{3C48B5B4-BF9C-4512-80BF-52B5D6343D39}</a:tableStyleId>
               </a:tblPr>
               <a:tblGrid>
                 <a:gridCol w="1683650"/>
@@ -47252,7 +49674,7 @@
             <a:tbl>
               <a:tblPr>
                 <a:noFill/>
-                <a:tableStyleId>{57E1212D-4DE4-44F8-8E6D-09636DD7F15E}</a:tableStyleId>
+                <a:tableStyleId>{3C48B5B4-BF9C-4512-80BF-52B5D6343D39}</a:tableStyleId>
               </a:tblPr>
               <a:tblGrid>
                 <a:gridCol w="1683650"/>
@@ -47733,6 +50155,285 @@
 </file>
 
 <file path=ppt/theme/theme1.xml><?xml version="1.0" encoding="utf-8"?>
+<a:theme xmlns:a="http://schemas.openxmlformats.org/drawingml/2006/main" xmlns:r="http://schemas.openxmlformats.org/officeDocument/2006/relationships">
+  <a:themeElements>
+    <a:clrScheme name="Default">
+      <a:dk1>
+        <a:srgbClr val="000000"/>
+      </a:dk1>
+      <a:lt1>
+        <a:srgbClr val="FFFFFF"/>
+      </a:lt1>
+      <a:dk2>
+        <a:srgbClr val="158158"/>
+      </a:dk2>
+      <a:lt2>
+        <a:srgbClr val="F3F3F3"/>
+      </a:lt2>
+      <a:accent1>
+        <a:srgbClr val="058DC7"/>
+      </a:accent1>
+      <a:accent2>
+        <a:srgbClr val="50B432"/>
+      </a:accent2>
+      <a:accent3>
+        <a:srgbClr val="ED561B"/>
+      </a:accent3>
+      <a:accent4>
+        <a:srgbClr val="EDEF00"/>
+      </a:accent4>
+      <a:accent5>
+        <a:srgbClr val="24CBE5"/>
+      </a:accent5>
+      <a:accent6>
+        <a:srgbClr val="64E572"/>
+      </a:accent6>
+      <a:hlink>
+        <a:srgbClr val="2200CC"/>
+      </a:hlink>
+      <a:folHlink>
+        <a:srgbClr val="551A8B"/>
+      </a:folHlink>
+    </a:clrScheme>
+    <a:fontScheme name="Office">
+      <a:majorFont>
+        <a:latin typeface="Arial"/>
+        <a:ea typeface=""/>
+        <a:cs typeface=""/>
+        <a:font script="Jpan" typeface="ＭＳ Ｐゴシック"/>
+        <a:font script="Hang" typeface="맑은 고딕"/>
+        <a:font script="Hans" typeface="宋体"/>
+        <a:font script="Hant" typeface="新細明體"/>
+        <a:font script="Arab" typeface="Times New Roman"/>
+        <a:font script="Hebr" typeface="Times New Roman"/>
+        <a:font script="Thai" typeface="Angsana New"/>
+        <a:font script="Ethi" typeface="Nyala"/>
+        <a:font script="Beng" typeface="Vrinda"/>
+        <a:font script="Gujr" typeface="Shruti"/>
+        <a:font script="Khmr" typeface="MoolBoran"/>
+        <a:font script="Knda" typeface="Tunga"/>
+        <a:font script="Guru" typeface="Raavi"/>
+        <a:font script="Cans" typeface="Euphemia"/>
+        <a:font script="Cher" typeface="Plantagenet Cherokee"/>
+        <a:font script="Yiii" typeface="Microsoft Yi Baiti"/>
+        <a:font script="Tibt" typeface="Microsoft Himalaya"/>
+        <a:font script="Thaa" typeface="MV Boli"/>
+        <a:font script="Deva" typeface="Mangal"/>
+        <a:font script="Telu" typeface="Gautami"/>
+        <a:font script="Taml" typeface="Latha"/>
+        <a:font script="Syrc" typeface="Estrangelo Edessa"/>
+        <a:font script="Orya" typeface="Kalinga"/>
+        <a:font script="Mlym" typeface="Kartika"/>
+        <a:font script="Laoo" typeface="DokChampa"/>
+        <a:font script="Sinh" typeface="Iskoola Pota"/>
+        <a:font script="Mong" typeface="Mongolian Baiti"/>
+        <a:font script="Viet" typeface="Times New Roman"/>
+        <a:font script="Uigh" typeface="Microsoft Uighur"/>
+        <a:font script="Geor" typeface="Sylfaen"/>
+      </a:majorFont>
+      <a:minorFont>
+        <a:latin typeface="Arial"/>
+        <a:ea typeface=""/>
+        <a:cs typeface=""/>
+        <a:font script="Jpan" typeface="ＭＳ Ｐゴシック"/>
+        <a:font script="Hang" typeface="맑은 고딕"/>
+        <a:font script="Hans" typeface="宋体"/>
+        <a:font script="Hant" typeface="新細明體"/>
+        <a:font script="Arab" typeface="Arial"/>
+        <a:font script="Hebr" typeface="Arial"/>
+        <a:font script="Thai" typeface="Cordia New"/>
+        <a:font script="Ethi" typeface="Nyala"/>
+        <a:font script="Beng" typeface="Vrinda"/>
+        <a:font script="Gujr" typeface="Shruti"/>
+        <a:font script="Khmr" typeface="DaunPenh"/>
+        <a:font script="Knda" typeface="Tunga"/>
+        <a:font script="Guru" typeface="Raavi"/>
+        <a:font script="Cans" typeface="Euphemia"/>
+        <a:font script="Cher" typeface="Plantagenet Cherokee"/>
+        <a:font script="Yiii" typeface="Microsoft Yi Baiti"/>
+        <a:font script="Tibt" typeface="Microsoft Himalaya"/>
+        <a:font script="Thaa" typeface="MV Boli"/>
+        <a:font script="Deva" typeface="Mangal"/>
+        <a:font script="Telu" typeface="Gautami"/>
+        <a:font script="Taml" typeface="Latha"/>
+        <a:font script="Syrc" typeface="Estrangelo Edessa"/>
+        <a:font script="Orya" typeface="Kalinga"/>
+        <a:font script="Mlym" typeface="Kartika"/>
+        <a:font script="Laoo" typeface="DokChampa"/>
+        <a:font script="Sinh" typeface="Iskoola Pota"/>
+        <a:font script="Mong" typeface="Mongolian Baiti"/>
+        <a:font script="Viet" typeface="Arial"/>
+        <a:font script="Uigh" typeface="Microsoft Uighur"/>
+        <a:font script="Geor" typeface="Sylfaen"/>
+      </a:minorFont>
+    </a:fontScheme>
+    <a:fmtScheme name="Office">
+      <a:fillStyleLst>
+        <a:solidFill>
+          <a:schemeClr val="phClr"/>
+        </a:solidFill>
+        <a:gradFill rotWithShape="1">
+          <a:gsLst>
+            <a:gs pos="0">
+              <a:schemeClr val="phClr">
+                <a:tint val="50000"/>
+                <a:satMod val="300000"/>
+              </a:schemeClr>
+            </a:gs>
+            <a:gs pos="35000">
+              <a:schemeClr val="phClr">
+                <a:tint val="37000"/>
+                <a:satMod val="300000"/>
+              </a:schemeClr>
+            </a:gs>
+            <a:gs pos="100000">
+              <a:schemeClr val="phClr">
+                <a:tint val="15000"/>
+                <a:satMod val="350000"/>
+              </a:schemeClr>
+            </a:gs>
+          </a:gsLst>
+          <a:lin ang="16200000" scaled="1"/>
+        </a:gradFill>
+        <a:gradFill rotWithShape="1">
+          <a:gsLst>
+            <a:gs pos="0">
+              <a:schemeClr val="phClr">
+                <a:tint val="100000"/>
+                <a:shade val="100000"/>
+                <a:satMod val="130000"/>
+              </a:schemeClr>
+            </a:gs>
+            <a:gs pos="100000">
+              <a:schemeClr val="phClr">
+                <a:tint val="50000"/>
+                <a:shade val="100000"/>
+                <a:satMod val="350000"/>
+              </a:schemeClr>
+            </a:gs>
+          </a:gsLst>
+          <a:lin ang="16200000" scaled="0"/>
+        </a:gradFill>
+      </a:fillStyleLst>
+      <a:lnStyleLst>
+        <a:ln w="9525" cap="flat" cmpd="sng" algn="ctr">
+          <a:solidFill>
+            <a:schemeClr val="phClr">
+              <a:shade val="95000"/>
+              <a:satMod val="105000"/>
+            </a:schemeClr>
+          </a:solidFill>
+          <a:prstDash val="solid"/>
+        </a:ln>
+        <a:ln w="25400" cap="flat" cmpd="sng" algn="ctr">
+          <a:solidFill>
+            <a:schemeClr val="phClr"/>
+          </a:solidFill>
+          <a:prstDash val="solid"/>
+        </a:ln>
+        <a:ln w="38100" cap="flat" cmpd="sng" algn="ctr">
+          <a:solidFill>
+            <a:schemeClr val="phClr"/>
+          </a:solidFill>
+          <a:prstDash val="solid"/>
+        </a:ln>
+      </a:lnStyleLst>
+      <a:effectStyleLst>
+        <a:effectStyle>
+          <a:effectLst>
+            <a:outerShdw blurRad="40000" dist="20000" dir="5400000" rotWithShape="0">
+              <a:srgbClr val="000000">
+                <a:alpha val="38000"/>
+              </a:srgbClr>
+            </a:outerShdw>
+          </a:effectLst>
+        </a:effectStyle>
+        <a:effectStyle>
+          <a:effectLst>
+            <a:outerShdw blurRad="40000" dist="23000" dir="5400000" rotWithShape="0">
+              <a:srgbClr val="000000">
+                <a:alpha val="35000"/>
+              </a:srgbClr>
+            </a:outerShdw>
+          </a:effectLst>
+        </a:effectStyle>
+        <a:effectStyle>
+          <a:effectLst>
+            <a:outerShdw blurRad="40000" dist="23000" dir="5400000" rotWithShape="0">
+              <a:srgbClr val="000000">
+                <a:alpha val="35000"/>
+              </a:srgbClr>
+            </a:outerShdw>
+          </a:effectLst>
+          <a:scene3d>
+            <a:camera prst="orthographicFront">
+              <a:rot lat="0" lon="0" rev="0"/>
+            </a:camera>
+            <a:lightRig rig="threePt" dir="t">
+              <a:rot lat="0" lon="0" rev="1200000"/>
+            </a:lightRig>
+          </a:scene3d>
+          <a:sp3d>
+            <a:bevelT w="63500" h="25400"/>
+          </a:sp3d>
+        </a:effectStyle>
+      </a:effectStyleLst>
+      <a:bgFillStyleLst>
+        <a:solidFill>
+          <a:schemeClr val="phClr"/>
+        </a:solidFill>
+        <a:gradFill rotWithShape="1">
+          <a:gsLst>
+            <a:gs pos="0">
+              <a:schemeClr val="phClr">
+                <a:tint val="40000"/>
+                <a:satMod val="350000"/>
+              </a:schemeClr>
+            </a:gs>
+            <a:gs pos="40000">
+              <a:schemeClr val="phClr">
+                <a:tint val="45000"/>
+                <a:shade val="99000"/>
+                <a:satMod val="350000"/>
+              </a:schemeClr>
+            </a:gs>
+            <a:gs pos="100000">
+              <a:schemeClr val="phClr">
+                <a:shade val="20000"/>
+                <a:satMod val="255000"/>
+              </a:schemeClr>
+            </a:gs>
+          </a:gsLst>
+          <a:path path="circle">
+            <a:fillToRect l="50000" t="-80000" r="50000" b="180000"/>
+          </a:path>
+        </a:gradFill>
+        <a:gradFill rotWithShape="1">
+          <a:gsLst>
+            <a:gs pos="0">
+              <a:schemeClr val="phClr">
+                <a:tint val="80000"/>
+                <a:satMod val="300000"/>
+              </a:schemeClr>
+            </a:gs>
+            <a:gs pos="100000">
+              <a:schemeClr val="phClr">
+                <a:shade val="30000"/>
+                <a:satMod val="200000"/>
+              </a:schemeClr>
+            </a:gs>
+          </a:gsLst>
+          <a:path path="circle">
+            <a:fillToRect l="50000" t="50000" r="50000" b="50000"/>
+          </a:path>
+        </a:gradFill>
+      </a:bgFillStyleLst>
+    </a:fmtScheme>
+  </a:themeElements>
+</a:theme>
+</file>
+
+<file path=ppt/theme/theme2.xml><?xml version="1.0" encoding="utf-8"?>
 <a:theme xmlns:a="http://schemas.openxmlformats.org/drawingml/2006/main" xmlns:r="http://schemas.openxmlformats.org/officeDocument/2006/relationships" name="Slate">
   <a:themeElements>
     <a:clrScheme name="Slate">
@@ -48009,283 +50710,4 @@
     </a:fmtScheme>
   </a:themeElements>
 </a:theme>
-</file>
-
-<file path=ppt/theme/theme2.xml><?xml version="1.0" encoding="utf-8"?>
-<a:theme xmlns:a="http://schemas.openxmlformats.org/drawingml/2006/main" xmlns:r="http://schemas.openxmlformats.org/officeDocument/2006/relationships">
-  <a:themeElements>
-    <a:clrScheme name="Default">
-      <a:dk1>
-        <a:srgbClr val="000000"/>
-      </a:dk1>
-      <a:lt1>
-        <a:srgbClr val="FFFFFF"/>
-      </a:lt1>
-      <a:dk2>
-        <a:srgbClr val="158158"/>
-      </a:dk2>
-      <a:lt2>
-        <a:srgbClr val="F3F3F3"/>
-      </a:lt2>
-      <a:accent1>
-        <a:srgbClr val="058DC7"/>
-      </a:accent1>
-      <a:accent2>
-        <a:srgbClr val="50B432"/>
-      </a:accent2>
-      <a:accent3>
-        <a:srgbClr val="ED561B"/>
-      </a:accent3>
-      <a:accent4>
-        <a:srgbClr val="EDEF00"/>
-      </a:accent4>
-      <a:accent5>
-        <a:srgbClr val="24CBE5"/>
-      </a:accent5>
-      <a:accent6>
-        <a:srgbClr val="64E572"/>
-      </a:accent6>
-      <a:hlink>
-        <a:srgbClr val="2200CC"/>
-      </a:hlink>
-      <a:folHlink>
-        <a:srgbClr val="551A8B"/>
-      </a:folHlink>
-    </a:clrScheme>
-    <a:fontScheme name="Office">
-      <a:majorFont>
-        <a:latin typeface="Arial"/>
-        <a:ea typeface=""/>
-        <a:cs typeface=""/>
-        <a:font script="Jpan" typeface="ＭＳ Ｐゴシック"/>
-        <a:font script="Hang" typeface="맑은 고딕"/>
-        <a:font script="Hans" typeface="宋体"/>
-        <a:font script="Hant" typeface="新細明體"/>
-        <a:font script="Arab" typeface="Times New Roman"/>
-        <a:font script="Hebr" typeface="Times New Roman"/>
-        <a:font script="Thai" typeface="Angsana New"/>
-        <a:font script="Ethi" typeface="Nyala"/>
-        <a:font script="Beng" typeface="Vrinda"/>
-        <a:font script="Gujr" typeface="Shruti"/>
-        <a:font script="Khmr" typeface="MoolBoran"/>
-        <a:font script="Knda" typeface="Tunga"/>
-        <a:font script="Guru" typeface="Raavi"/>
-        <a:font script="Cans" typeface="Euphemia"/>
-        <a:font script="Cher" typeface="Plantagenet Cherokee"/>
-        <a:font script="Yiii" typeface="Microsoft Yi Baiti"/>
-        <a:font script="Tibt" typeface="Microsoft Himalaya"/>
-        <a:font script="Thaa" typeface="MV Boli"/>
-        <a:font script="Deva" typeface="Mangal"/>
-        <a:font script="Telu" typeface="Gautami"/>
-        <a:font script="Taml" typeface="Latha"/>
-        <a:font script="Syrc" typeface="Estrangelo Edessa"/>
-        <a:font script="Orya" typeface="Kalinga"/>
-        <a:font script="Mlym" typeface="Kartika"/>
-        <a:font script="Laoo" typeface="DokChampa"/>
-        <a:font script="Sinh" typeface="Iskoola Pota"/>
-        <a:font script="Mong" typeface="Mongolian Baiti"/>
-        <a:font script="Viet" typeface="Times New Roman"/>
-        <a:font script="Uigh" typeface="Microsoft Uighur"/>
-        <a:font script="Geor" typeface="Sylfaen"/>
-      </a:majorFont>
-      <a:minorFont>
-        <a:latin typeface="Arial"/>
-        <a:ea typeface=""/>
-        <a:cs typeface=""/>
-        <a:font script="Jpan" typeface="ＭＳ Ｐゴシック"/>
-        <a:font script="Hang" typeface="맑은 고딕"/>
-        <a:font script="Hans" typeface="宋体"/>
-        <a:font script="Hant" typeface="新細明體"/>
-        <a:font script="Arab" typeface="Arial"/>
-        <a:font script="Hebr" typeface="Arial"/>
-        <a:font script="Thai" typeface="Cordia New"/>
-        <a:font script="Ethi" typeface="Nyala"/>
-        <a:font script="Beng" typeface="Vrinda"/>
-        <a:font script="Gujr" typeface="Shruti"/>
-        <a:font script="Khmr" typeface="DaunPenh"/>
-        <a:font script="Knda" typeface="Tunga"/>
-        <a:font script="Guru" typeface="Raavi"/>
-        <a:font script="Cans" typeface="Euphemia"/>
-        <a:font script="Cher" typeface="Plantagenet Cherokee"/>
-        <a:font script="Yiii" typeface="Microsoft Yi Baiti"/>
-        <a:font script="Tibt" typeface="Microsoft Himalaya"/>
-        <a:font script="Thaa" typeface="MV Boli"/>
-        <a:font script="Deva" typeface="Mangal"/>
-        <a:font script="Telu" typeface="Gautami"/>
-        <a:font script="Taml" typeface="Latha"/>
-        <a:font script="Syrc" typeface="Estrangelo Edessa"/>
-        <a:font script="Orya" typeface="Kalinga"/>
-        <a:font script="Mlym" typeface="Kartika"/>
-        <a:font script="Laoo" typeface="DokChampa"/>
-        <a:font script="Sinh" typeface="Iskoola Pota"/>
-        <a:font script="Mong" typeface="Mongolian Baiti"/>
-        <a:font script="Viet" typeface="Arial"/>
-        <a:font script="Uigh" typeface="Microsoft Uighur"/>
-        <a:font script="Geor" typeface="Sylfaen"/>
-      </a:minorFont>
-    </a:fontScheme>
-    <a:fmtScheme name="Office">
-      <a:fillStyleLst>
-        <a:solidFill>
-          <a:schemeClr val="phClr"/>
-        </a:solidFill>
-        <a:gradFill rotWithShape="1">
-          <a:gsLst>
-            <a:gs pos="0">
-              <a:schemeClr val="phClr">
-                <a:tint val="50000"/>
-                <a:satMod val="300000"/>
-              </a:schemeClr>
-            </a:gs>
-            <a:gs pos="35000">
-              <a:schemeClr val="phClr">
-                <a:tint val="37000"/>
-                <a:satMod val="300000"/>
-              </a:schemeClr>
-            </a:gs>
-            <a:gs pos="100000">
-              <a:schemeClr val="phClr">
-                <a:tint val="15000"/>
-                <a:satMod val="350000"/>
-              </a:schemeClr>
-            </a:gs>
-          </a:gsLst>
-          <a:lin ang="16200000" scaled="1"/>
-        </a:gradFill>
-        <a:gradFill rotWithShape="1">
-          <a:gsLst>
-            <a:gs pos="0">
-              <a:schemeClr val="phClr">
-                <a:tint val="100000"/>
-                <a:shade val="100000"/>
-                <a:satMod val="130000"/>
-              </a:schemeClr>
-            </a:gs>
-            <a:gs pos="100000">
-              <a:schemeClr val="phClr">
-                <a:tint val="50000"/>
-                <a:shade val="100000"/>
-                <a:satMod val="350000"/>
-              </a:schemeClr>
-            </a:gs>
-          </a:gsLst>
-          <a:lin ang="16200000" scaled="0"/>
-        </a:gradFill>
-      </a:fillStyleLst>
-      <a:lnStyleLst>
-        <a:ln w="9525" cap="flat" cmpd="sng" algn="ctr">
-          <a:solidFill>
-            <a:schemeClr val="phClr">
-              <a:shade val="95000"/>
-              <a:satMod val="105000"/>
-            </a:schemeClr>
-          </a:solidFill>
-          <a:prstDash val="solid"/>
-        </a:ln>
-        <a:ln w="25400" cap="flat" cmpd="sng" algn="ctr">
-          <a:solidFill>
-            <a:schemeClr val="phClr"/>
-          </a:solidFill>
-          <a:prstDash val="solid"/>
-        </a:ln>
-        <a:ln w="38100" cap="flat" cmpd="sng" algn="ctr">
-          <a:solidFill>
-            <a:schemeClr val="phClr"/>
-          </a:solidFill>
-          <a:prstDash val="solid"/>
-        </a:ln>
-      </a:lnStyleLst>
-      <a:effectStyleLst>
-        <a:effectStyle>
-          <a:effectLst>
-            <a:outerShdw blurRad="40000" dist="20000" dir="5400000" rotWithShape="0">
-              <a:srgbClr val="000000">
-                <a:alpha val="38000"/>
-              </a:srgbClr>
-            </a:outerShdw>
-          </a:effectLst>
-        </a:effectStyle>
-        <a:effectStyle>
-          <a:effectLst>
-            <a:outerShdw blurRad="40000" dist="23000" dir="5400000" rotWithShape="0">
-              <a:srgbClr val="000000">
-                <a:alpha val="35000"/>
-              </a:srgbClr>
-            </a:outerShdw>
-          </a:effectLst>
-        </a:effectStyle>
-        <a:effectStyle>
-          <a:effectLst>
-            <a:outerShdw blurRad="40000" dist="23000" dir="5400000" rotWithShape="0">
-              <a:srgbClr val="000000">
-                <a:alpha val="35000"/>
-              </a:srgbClr>
-            </a:outerShdw>
-          </a:effectLst>
-          <a:scene3d>
-            <a:camera prst="orthographicFront">
-              <a:rot lat="0" lon="0" rev="0"/>
-            </a:camera>
-            <a:lightRig rig="threePt" dir="t">
-              <a:rot lat="0" lon="0" rev="1200000"/>
-            </a:lightRig>
-          </a:scene3d>
-          <a:sp3d>
-            <a:bevelT w="63500" h="25400"/>
-          </a:sp3d>
-        </a:effectStyle>
-      </a:effectStyleLst>
-      <a:bgFillStyleLst>
-        <a:solidFill>
-          <a:schemeClr val="phClr"/>
-        </a:solidFill>
-        <a:gradFill rotWithShape="1">
-          <a:gsLst>
-            <a:gs pos="0">
-              <a:schemeClr val="phClr">
-                <a:tint val="40000"/>
-                <a:satMod val="350000"/>
-              </a:schemeClr>
-            </a:gs>
-            <a:gs pos="40000">
-              <a:schemeClr val="phClr">
-                <a:tint val="45000"/>
-                <a:shade val="99000"/>
-                <a:satMod val="350000"/>
-              </a:schemeClr>
-            </a:gs>
-            <a:gs pos="100000">
-              <a:schemeClr val="phClr">
-                <a:shade val="20000"/>
-                <a:satMod val="255000"/>
-              </a:schemeClr>
-            </a:gs>
-          </a:gsLst>
-          <a:path path="circle">
-            <a:fillToRect l="50000" t="-80000" r="50000" b="180000"/>
-          </a:path>
-        </a:gradFill>
-        <a:gradFill rotWithShape="1">
-          <a:gsLst>
-            <a:gs pos="0">
-              <a:schemeClr val="phClr">
-                <a:tint val="80000"/>
-                <a:satMod val="300000"/>
-              </a:schemeClr>
-            </a:gs>
-            <a:gs pos="100000">
-              <a:schemeClr val="phClr">
-                <a:shade val="30000"/>
-                <a:satMod val="200000"/>
-              </a:schemeClr>
-            </a:gs>
-          </a:gsLst>
-          <a:path path="circle">
-            <a:fillToRect l="50000" t="50000" r="50000" b="50000"/>
-          </a:path>
-        </a:gradFill>
-      </a:bgFillStyleLst>
-    </a:fmtScheme>
-  </a:themeElements>
-</a:theme>
 </file>